--- a/자구발표2.pptx
+++ b/자구발표2.pptx
@@ -5,10 +5,10 @@
     <p:sldMasterId id="2147483648" r:id="rId1"/>
   </p:sldMasterIdLst>
   <p:notesMasterIdLst>
-    <p:notesMasterId r:id="rId24"/>
+    <p:notesMasterId r:id="rId27"/>
   </p:notesMasterIdLst>
   <p:handoutMasterIdLst>
-    <p:handoutMasterId r:id="rId25"/>
+    <p:handoutMasterId r:id="rId28"/>
   </p:handoutMasterIdLst>
   <p:sldIdLst>
     <p:sldId id="256" r:id="rId2"/>
@@ -24,15 +24,18 @@
     <p:sldId id="378" r:id="rId12"/>
     <p:sldId id="379" r:id="rId13"/>
     <p:sldId id="380" r:id="rId14"/>
-    <p:sldId id="377" r:id="rId15"/>
-    <p:sldId id="381" r:id="rId16"/>
-    <p:sldId id="382" r:id="rId17"/>
+    <p:sldId id="382" r:id="rId15"/>
+    <p:sldId id="388" r:id="rId16"/>
+    <p:sldId id="390" r:id="rId17"/>
     <p:sldId id="384" r:id="rId18"/>
-    <p:sldId id="388" r:id="rId19"/>
-    <p:sldId id="387" r:id="rId20"/>
-    <p:sldId id="389" r:id="rId21"/>
-    <p:sldId id="385" r:id="rId22"/>
-    <p:sldId id="386" r:id="rId23"/>
+    <p:sldId id="387" r:id="rId19"/>
+    <p:sldId id="377" r:id="rId20"/>
+    <p:sldId id="381" r:id="rId21"/>
+    <p:sldId id="389" r:id="rId22"/>
+    <p:sldId id="391" r:id="rId23"/>
+    <p:sldId id="392" r:id="rId24"/>
+    <p:sldId id="385" r:id="rId25"/>
+    <p:sldId id="386" r:id="rId26"/>
   </p:sldIdLst>
   <p:sldSz cx="9144000" cy="6858000" type="screen4x3"/>
   <p:notesSz cx="6858000" cy="9144000"/>
@@ -235,7 +238,7 @@
           <a:p>
             <a:fld id="{3E774119-6F91-463D-B3EE-6B9FBDF56E53}" type="datetimeFigureOut">
               <a:rPr lang="ko-KR" altLang="en-US" smtClean="0"/>
-              <a:t>2018-09-16</a:t>
+              <a:t>2018-09-19</a:t>
             </a:fld>
             <a:endParaRPr lang="ko-KR" altLang="en-US"/>
           </a:p>
@@ -401,7 +404,7 @@
           <a:p>
             <a:fld id="{427C4CBF-A884-4F27-A96C-CCF60E2A58D7}" type="datetimeFigureOut">
               <a:rPr lang="ko-KR" altLang="en-US" smtClean="0"/>
-              <a:t>2018-09-16</a:t>
+              <a:t>2018-09-19</a:t>
             </a:fld>
             <a:endParaRPr lang="ko-KR" altLang="en-US"/>
           </a:p>
@@ -827,7 +830,7 @@
     </p:spTree>
     <p:extLst>
       <p:ext uri="{BB962C8B-B14F-4D97-AF65-F5344CB8AC3E}">
-        <p14:creationId xmlns:p14="http://schemas.microsoft.com/office/powerpoint/2010/main" val="327016061"/>
+        <p14:creationId xmlns:p14="http://schemas.microsoft.com/office/powerpoint/2010/main" val="2389649522"/>
       </p:ext>
     </p:extLst>
   </p:cSld>
@@ -911,7 +914,7 @@
     </p:spTree>
     <p:extLst>
       <p:ext uri="{BB962C8B-B14F-4D97-AF65-F5344CB8AC3E}">
-        <p14:creationId xmlns:p14="http://schemas.microsoft.com/office/powerpoint/2010/main" val="4059675561"/>
+        <p14:creationId xmlns:p14="http://schemas.microsoft.com/office/powerpoint/2010/main" val="3456737802"/>
       </p:ext>
     </p:extLst>
   </p:cSld>
@@ -1079,7 +1082,7 @@
     </p:spTree>
     <p:extLst>
       <p:ext uri="{BB962C8B-B14F-4D97-AF65-F5344CB8AC3E}">
-        <p14:creationId xmlns:p14="http://schemas.microsoft.com/office/powerpoint/2010/main" val="2389649522"/>
+        <p14:creationId xmlns:p14="http://schemas.microsoft.com/office/powerpoint/2010/main" val="2019913085"/>
       </p:ext>
     </p:extLst>
   </p:cSld>
@@ -1163,7 +1166,7 @@
     </p:spTree>
     <p:extLst>
       <p:ext uri="{BB962C8B-B14F-4D97-AF65-F5344CB8AC3E}">
-        <p14:creationId xmlns:p14="http://schemas.microsoft.com/office/powerpoint/2010/main" val="2019913085"/>
+        <p14:creationId xmlns:p14="http://schemas.microsoft.com/office/powerpoint/2010/main" val="2914414505"/>
       </p:ext>
     </p:extLst>
   </p:cSld>
@@ -1247,7 +1250,175 @@
     </p:spTree>
     <p:extLst>
       <p:ext uri="{BB962C8B-B14F-4D97-AF65-F5344CB8AC3E}">
+        <p14:creationId xmlns:p14="http://schemas.microsoft.com/office/powerpoint/2010/main" val="327016061"/>
+      </p:ext>
+    </p:extLst>
+  </p:cSld>
+  <p:clrMapOvr>
+    <a:masterClrMapping/>
+  </p:clrMapOvr>
+</p:notes>
+</file>
+
+<file path=ppt/notesSlides/notesSlide16.xml><?xml version="1.0" encoding="utf-8"?>
+<p:notes xmlns:a="http://schemas.openxmlformats.org/drawingml/2006/main" xmlns:r="http://schemas.openxmlformats.org/officeDocument/2006/relationships" xmlns:p="http://schemas.openxmlformats.org/presentationml/2006/main">
+  <p:cSld>
+    <p:spTree>
+      <p:nvGrpSpPr>
+        <p:cNvPr id="1" name=""/>
+        <p:cNvGrpSpPr/>
+        <p:nvPr/>
+      </p:nvGrpSpPr>
+      <p:grpSpPr>
+        <a:xfrm>
+          <a:off x="0" y="0"/>
+          <a:ext cx="0" cy="0"/>
+          <a:chOff x="0" y="0"/>
+          <a:chExt cx="0" cy="0"/>
+        </a:xfrm>
+      </p:grpSpPr>
+      <p:sp>
+        <p:nvSpPr>
+          <p:cNvPr id="2" name="슬라이드 이미지 개체 틀 1"/>
+          <p:cNvSpPr>
+            <a:spLocks noGrp="1" noRot="1" noChangeAspect="1"/>
+          </p:cNvSpPr>
+          <p:nvPr>
+            <p:ph type="sldImg"/>
+          </p:nvPr>
+        </p:nvSpPr>
+        <p:spPr/>
+      </p:sp>
+      <p:sp>
+        <p:nvSpPr>
+          <p:cNvPr id="3" name="슬라이드 노트 개체 틀 2"/>
+          <p:cNvSpPr>
+            <a:spLocks noGrp="1"/>
+          </p:cNvSpPr>
+          <p:nvPr>
+            <p:ph type="body" idx="1"/>
+          </p:nvPr>
+        </p:nvSpPr>
+        <p:spPr/>
+        <p:txBody>
+          <a:bodyPr/>
+          <a:lstStyle/>
+          <a:p>
+            <a:endParaRPr lang="ko-KR" altLang="en-US" dirty="0"/>
+          </a:p>
+        </p:txBody>
+      </p:sp>
+      <p:sp>
+        <p:nvSpPr>
+          <p:cNvPr id="4" name="슬라이드 번호 개체 틀 3"/>
+          <p:cNvSpPr>
+            <a:spLocks noGrp="1"/>
+          </p:cNvSpPr>
+          <p:nvPr>
+            <p:ph type="sldNum" sz="quarter" idx="10"/>
+          </p:nvPr>
+        </p:nvSpPr>
+        <p:spPr/>
+        <p:txBody>
+          <a:bodyPr/>
+          <a:lstStyle/>
+          <a:p>
+            <a:fld id="{88379679-F6E9-4CE3-8D1A-DEC9234F3684}" type="slidenum">
+              <a:rPr lang="ko-KR" altLang="en-US" smtClean="0"/>
+              <a:t>21</a:t>
+            </a:fld>
+            <a:endParaRPr lang="ko-KR" altLang="en-US"/>
+          </a:p>
+        </p:txBody>
+      </p:sp>
+    </p:spTree>
+    <p:extLst>
+      <p:ext uri="{BB962C8B-B14F-4D97-AF65-F5344CB8AC3E}">
         <p14:creationId xmlns:p14="http://schemas.microsoft.com/office/powerpoint/2010/main" val="1568390878"/>
+      </p:ext>
+    </p:extLst>
+  </p:cSld>
+  <p:clrMapOvr>
+    <a:masterClrMapping/>
+  </p:clrMapOvr>
+</p:notes>
+</file>
+
+<file path=ppt/notesSlides/notesSlide17.xml><?xml version="1.0" encoding="utf-8"?>
+<p:notes xmlns:a="http://schemas.openxmlformats.org/drawingml/2006/main" xmlns:r="http://schemas.openxmlformats.org/officeDocument/2006/relationships" xmlns:p="http://schemas.openxmlformats.org/presentationml/2006/main">
+  <p:cSld>
+    <p:spTree>
+      <p:nvGrpSpPr>
+        <p:cNvPr id="1" name=""/>
+        <p:cNvGrpSpPr/>
+        <p:nvPr/>
+      </p:nvGrpSpPr>
+      <p:grpSpPr>
+        <a:xfrm>
+          <a:off x="0" y="0"/>
+          <a:ext cx="0" cy="0"/>
+          <a:chOff x="0" y="0"/>
+          <a:chExt cx="0" cy="0"/>
+        </a:xfrm>
+      </p:grpSpPr>
+      <p:sp>
+        <p:nvSpPr>
+          <p:cNvPr id="2" name="슬라이드 이미지 개체 틀 1"/>
+          <p:cNvSpPr>
+            <a:spLocks noGrp="1" noRot="1" noChangeAspect="1"/>
+          </p:cNvSpPr>
+          <p:nvPr>
+            <p:ph type="sldImg"/>
+          </p:nvPr>
+        </p:nvSpPr>
+        <p:spPr/>
+      </p:sp>
+      <p:sp>
+        <p:nvSpPr>
+          <p:cNvPr id="3" name="슬라이드 노트 개체 틀 2"/>
+          <p:cNvSpPr>
+            <a:spLocks noGrp="1"/>
+          </p:cNvSpPr>
+          <p:nvPr>
+            <p:ph type="body" idx="1"/>
+          </p:nvPr>
+        </p:nvSpPr>
+        <p:spPr/>
+        <p:txBody>
+          <a:bodyPr/>
+          <a:lstStyle/>
+          <a:p>
+            <a:endParaRPr lang="ko-KR" altLang="en-US" dirty="0"/>
+          </a:p>
+        </p:txBody>
+      </p:sp>
+      <p:sp>
+        <p:nvSpPr>
+          <p:cNvPr id="4" name="슬라이드 번호 개체 틀 3"/>
+          <p:cNvSpPr>
+            <a:spLocks noGrp="1"/>
+          </p:cNvSpPr>
+          <p:nvPr>
+            <p:ph type="sldNum" sz="quarter" idx="10"/>
+          </p:nvPr>
+        </p:nvSpPr>
+        <p:spPr/>
+        <p:txBody>
+          <a:bodyPr/>
+          <a:lstStyle/>
+          <a:p>
+            <a:fld id="{88379679-F6E9-4CE3-8D1A-DEC9234F3684}" type="slidenum">
+              <a:rPr lang="ko-KR" altLang="en-US" smtClean="0"/>
+              <a:t>23</a:t>
+            </a:fld>
+            <a:endParaRPr lang="ko-KR" altLang="en-US"/>
+          </a:p>
+        </p:txBody>
+      </p:sp>
+    </p:spTree>
+    <p:extLst>
+      <p:ext uri="{BB962C8B-B14F-4D97-AF65-F5344CB8AC3E}">
+        <p14:creationId xmlns:p14="http://schemas.microsoft.com/office/powerpoint/2010/main" val="2518750729"/>
       </p:ext>
     </p:extLst>
   </p:cSld>
@@ -1919,7 +2090,7 @@
     </p:spTree>
     <p:extLst>
       <p:ext uri="{BB962C8B-B14F-4D97-AF65-F5344CB8AC3E}">
-        <p14:creationId xmlns:p14="http://schemas.microsoft.com/office/powerpoint/2010/main" val="2914414505"/>
+        <p14:creationId xmlns:p14="http://schemas.microsoft.com/office/powerpoint/2010/main" val="4059675561"/>
       </p:ext>
     </p:extLst>
   </p:cSld>
@@ -2108,7 +2279,7 @@
           <a:p>
             <a:fld id="{4044D9D6-C61A-40E0-A959-5FC795AECBED}" type="datetimeFigureOut">
               <a:rPr lang="ko-KR" altLang="en-US" smtClean="0"/>
-              <a:t>2018-09-16</a:t>
+              <a:t>2018-09-19</a:t>
             </a:fld>
             <a:endParaRPr lang="ko-KR" altLang="en-US"/>
           </a:p>
@@ -2276,7 +2447,7 @@
           <a:p>
             <a:fld id="{4044D9D6-C61A-40E0-A959-5FC795AECBED}" type="datetimeFigureOut">
               <a:rPr lang="ko-KR" altLang="en-US" smtClean="0"/>
-              <a:t>2018-09-16</a:t>
+              <a:t>2018-09-19</a:t>
             </a:fld>
             <a:endParaRPr lang="ko-KR" altLang="en-US"/>
           </a:p>
@@ -2454,7 +2625,7 @@
           <a:p>
             <a:fld id="{4044D9D6-C61A-40E0-A959-5FC795AECBED}" type="datetimeFigureOut">
               <a:rPr lang="ko-KR" altLang="en-US" smtClean="0"/>
-              <a:t>2018-09-16</a:t>
+              <a:t>2018-09-19</a:t>
             </a:fld>
             <a:endParaRPr lang="ko-KR" altLang="en-US"/>
           </a:p>
@@ -2622,7 +2793,7 @@
           <a:p>
             <a:fld id="{4044D9D6-C61A-40E0-A959-5FC795AECBED}" type="datetimeFigureOut">
               <a:rPr lang="ko-KR" altLang="en-US" smtClean="0"/>
-              <a:t>2018-09-16</a:t>
+              <a:t>2018-09-19</a:t>
             </a:fld>
             <a:endParaRPr lang="ko-KR" altLang="en-US"/>
           </a:p>
@@ -2867,7 +3038,7 @@
           <a:p>
             <a:fld id="{4044D9D6-C61A-40E0-A959-5FC795AECBED}" type="datetimeFigureOut">
               <a:rPr lang="ko-KR" altLang="en-US" smtClean="0"/>
-              <a:t>2018-09-16</a:t>
+              <a:t>2018-09-19</a:t>
             </a:fld>
             <a:endParaRPr lang="ko-KR" altLang="en-US"/>
           </a:p>
@@ -3152,7 +3323,7 @@
           <a:p>
             <a:fld id="{4044D9D6-C61A-40E0-A959-5FC795AECBED}" type="datetimeFigureOut">
               <a:rPr lang="ko-KR" altLang="en-US" smtClean="0"/>
-              <a:t>2018-09-16</a:t>
+              <a:t>2018-09-19</a:t>
             </a:fld>
             <a:endParaRPr lang="ko-KR" altLang="en-US"/>
           </a:p>
@@ -3571,7 +3742,7 @@
           <a:p>
             <a:fld id="{4044D9D6-C61A-40E0-A959-5FC795AECBED}" type="datetimeFigureOut">
               <a:rPr lang="ko-KR" altLang="en-US" smtClean="0"/>
-              <a:t>2018-09-16</a:t>
+              <a:t>2018-09-19</a:t>
             </a:fld>
             <a:endParaRPr lang="ko-KR" altLang="en-US"/>
           </a:p>
@@ -3688,7 +3859,7 @@
           <a:p>
             <a:fld id="{4044D9D6-C61A-40E0-A959-5FC795AECBED}" type="datetimeFigureOut">
               <a:rPr lang="ko-KR" altLang="en-US" smtClean="0"/>
-              <a:t>2018-09-16</a:t>
+              <a:t>2018-09-19</a:t>
             </a:fld>
             <a:endParaRPr lang="ko-KR" altLang="en-US"/>
           </a:p>
@@ -3783,7 +3954,7 @@
           <a:p>
             <a:fld id="{4044D9D6-C61A-40E0-A959-5FC795AECBED}" type="datetimeFigureOut">
               <a:rPr lang="ko-KR" altLang="en-US" smtClean="0"/>
-              <a:t>2018-09-16</a:t>
+              <a:t>2018-09-19</a:t>
             </a:fld>
             <a:endParaRPr lang="ko-KR" altLang="en-US"/>
           </a:p>
@@ -4058,7 +4229,7 @@
           <a:p>
             <a:fld id="{4044D9D6-C61A-40E0-A959-5FC795AECBED}" type="datetimeFigureOut">
               <a:rPr lang="ko-KR" altLang="en-US" smtClean="0"/>
-              <a:t>2018-09-16</a:t>
+              <a:t>2018-09-19</a:t>
             </a:fld>
             <a:endParaRPr lang="ko-KR" altLang="en-US"/>
           </a:p>
@@ -4310,7 +4481,7 @@
           <a:p>
             <a:fld id="{4044D9D6-C61A-40E0-A959-5FC795AECBED}" type="datetimeFigureOut">
               <a:rPr lang="ko-KR" altLang="en-US" smtClean="0"/>
-              <a:t>2018-09-16</a:t>
+              <a:t>2018-09-19</a:t>
             </a:fld>
             <a:endParaRPr lang="ko-KR" altLang="en-US"/>
           </a:p>
@@ -4529,7 +4700,7 @@
           <a:p>
             <a:fld id="{4044D9D6-C61A-40E0-A959-5FC795AECBED}" type="datetimeFigureOut">
               <a:rPr lang="ko-KR" altLang="en-US" smtClean="0"/>
-              <a:t>2018-09-16</a:t>
+              <a:t>2018-09-19</a:t>
             </a:fld>
             <a:endParaRPr lang="ko-KR" altLang="en-US"/>
           </a:p>
@@ -5092,8 +5263,8 @@
         </p:nvSpPr>
         <p:spPr>
           <a:xfrm>
-            <a:off x="617234" y="3229118"/>
-            <a:ext cx="7909538" cy="707886"/>
+            <a:off x="1386675" y="3229118"/>
+            <a:ext cx="6370655" cy="707886"/>
           </a:xfrm>
           <a:prstGeom prst="rect">
             <a:avLst/>
@@ -5115,17 +5286,7 @@
                 <a:latin typeface="다음_Regular" panose="02000603060000000000" pitchFamily="2" charset="-127"/>
                 <a:ea typeface="다음_Regular" panose="02000603060000000000" pitchFamily="2" charset="-127"/>
               </a:rPr>
-              <a:t>제주도 관광지 최적경로 </a:t>
-            </a:r>
-            <a:r>
-              <a:rPr lang="ko-KR" altLang="en-US" sz="4000" b="1" dirty="0" err="1">
-                <a:solidFill>
-                  <a:srgbClr val="1697C3"/>
-                </a:solidFill>
-                <a:latin typeface="다음_Regular" panose="02000603060000000000" pitchFamily="2" charset="-127"/>
-                <a:ea typeface="다음_Regular" panose="02000603060000000000" pitchFamily="2" charset="-127"/>
-              </a:rPr>
-              <a:t>찾아주기</a:t>
+              <a:t>관광지 최적경로 찾아 주기</a:t>
             </a:r>
             <a:endParaRPr lang="en-US" altLang="ko-KR" sz="4000" b="1" dirty="0">
               <a:solidFill>
@@ -5351,7 +5512,7 @@
         <p:spPr>
           <a:xfrm>
             <a:off x="899490" y="1268700"/>
-            <a:ext cx="5400750" cy="3970318"/>
+            <a:ext cx="6408890" cy="4524315"/>
           </a:xfrm>
           <a:prstGeom prst="rect">
             <a:avLst/>
@@ -5365,83 +5526,140 @@
           <a:lstStyle/>
           <a:p>
             <a:r>
-              <a:rPr lang="en-US" altLang="ko-KR" sz="2800" dirty="0"/>
+              <a:rPr lang="en-US" altLang="ko-KR" sz="3200" dirty="0">
+                <a:latin typeface="서울남산체 M" panose="02020503020101020101" pitchFamily="18" charset="-127"/>
+                <a:ea typeface="서울남산체 M" panose="02020503020101020101" pitchFamily="18" charset="-127"/>
+              </a:rPr>
               <a:t>-Starting Destination(</a:t>
             </a:r>
             <a:r>
-              <a:rPr lang="ko-KR" altLang="en-US" sz="2800" dirty="0"/>
+              <a:rPr lang="ko-KR" altLang="en-US" sz="3200" dirty="0">
+                <a:latin typeface="서울남산체 M" panose="02020503020101020101" pitchFamily="18" charset="-127"/>
+                <a:ea typeface="서울남산체 M" panose="02020503020101020101" pitchFamily="18" charset="-127"/>
+              </a:rPr>
               <a:t>출발지</a:t>
             </a:r>
             <a:r>
-              <a:rPr lang="en-US" altLang="ko-KR" sz="2800" dirty="0"/>
+              <a:rPr lang="en-US" altLang="ko-KR" sz="3200" dirty="0">
+                <a:latin typeface="서울남산체 M" panose="02020503020101020101" pitchFamily="18" charset="-127"/>
+                <a:ea typeface="서울남산체 M" panose="02020503020101020101" pitchFamily="18" charset="-127"/>
+              </a:rPr>
               <a:t>)</a:t>
             </a:r>
           </a:p>
           <a:p>
-            <a:endParaRPr lang="en-US" altLang="ko-KR" sz="2800" dirty="0"/>
-          </a:p>
-          <a:p>
-            <a:r>
-              <a:rPr lang="en-US" altLang="ko-KR" sz="2800" dirty="0"/>
+            <a:endParaRPr lang="en-US" altLang="ko-KR" sz="3200" dirty="0">
+              <a:latin typeface="서울남산체 M" panose="02020503020101020101" pitchFamily="18" charset="-127"/>
+              <a:ea typeface="서울남산체 M" panose="02020503020101020101" pitchFamily="18" charset="-127"/>
+            </a:endParaRPr>
+          </a:p>
+          <a:p>
+            <a:r>
+              <a:rPr lang="en-US" altLang="ko-KR" sz="3200" dirty="0">
+                <a:latin typeface="서울남산체 M" panose="02020503020101020101" pitchFamily="18" charset="-127"/>
+                <a:ea typeface="서울남산체 M" panose="02020503020101020101" pitchFamily="18" charset="-127"/>
+              </a:rPr>
               <a:t>-End Destination(</a:t>
             </a:r>
             <a:r>
-              <a:rPr lang="ko-KR" altLang="en-US" sz="2800" dirty="0"/>
+              <a:rPr lang="ko-KR" altLang="en-US" sz="3200" dirty="0">
+                <a:latin typeface="서울남산체 M" panose="02020503020101020101" pitchFamily="18" charset="-127"/>
+                <a:ea typeface="서울남산체 M" panose="02020503020101020101" pitchFamily="18" charset="-127"/>
+              </a:rPr>
               <a:t>도착지</a:t>
             </a:r>
             <a:r>
-              <a:rPr lang="en-US" altLang="ko-KR" sz="2800" dirty="0"/>
+              <a:rPr lang="en-US" altLang="ko-KR" sz="3200" dirty="0">
+                <a:latin typeface="서울남산체 M" panose="02020503020101020101" pitchFamily="18" charset="-127"/>
+                <a:ea typeface="서울남산체 M" panose="02020503020101020101" pitchFamily="18" charset="-127"/>
+              </a:rPr>
               <a:t>)</a:t>
             </a:r>
           </a:p>
           <a:p>
-            <a:endParaRPr lang="en-US" altLang="ko-KR" sz="2800" dirty="0"/>
-          </a:p>
-          <a:p>
-            <a:r>
-              <a:rPr lang="en-US" altLang="ko-KR" sz="2800" dirty="0"/>
+            <a:endParaRPr lang="en-US" altLang="ko-KR" sz="3200" dirty="0">
+              <a:latin typeface="서울남산체 M" panose="02020503020101020101" pitchFamily="18" charset="-127"/>
+              <a:ea typeface="서울남산체 M" panose="02020503020101020101" pitchFamily="18" charset="-127"/>
+            </a:endParaRPr>
+          </a:p>
+          <a:p>
+            <a:r>
+              <a:rPr lang="en-US" altLang="ko-KR" sz="3200" dirty="0">
+                <a:latin typeface="서울남산체 M" panose="02020503020101020101" pitchFamily="18" charset="-127"/>
+                <a:ea typeface="서울남산체 M" panose="02020503020101020101" pitchFamily="18" charset="-127"/>
+              </a:rPr>
               <a:t>-Destination(</a:t>
             </a:r>
             <a:r>
-              <a:rPr lang="ko-KR" altLang="en-US" sz="2800" dirty="0"/>
+              <a:rPr lang="ko-KR" altLang="en-US" sz="3200" dirty="0">
+                <a:latin typeface="서울남산체 M" panose="02020503020101020101" pitchFamily="18" charset="-127"/>
+                <a:ea typeface="서울남산체 M" panose="02020503020101020101" pitchFamily="18" charset="-127"/>
+              </a:rPr>
               <a:t>중간 여행지</a:t>
             </a:r>
             <a:r>
-              <a:rPr lang="en-US" altLang="ko-KR" sz="2800" dirty="0"/>
+              <a:rPr lang="en-US" altLang="ko-KR" sz="3200" dirty="0">
+                <a:latin typeface="서울남산체 M" panose="02020503020101020101" pitchFamily="18" charset="-127"/>
+                <a:ea typeface="서울남산체 M" panose="02020503020101020101" pitchFamily="18" charset="-127"/>
+              </a:rPr>
               <a:t>)</a:t>
             </a:r>
           </a:p>
           <a:p>
-            <a:endParaRPr lang="en-US" altLang="ko-KR" sz="2800" dirty="0"/>
-          </a:p>
-          <a:p>
-            <a:r>
-              <a:rPr lang="en-US" altLang="ko-KR" sz="2800" dirty="0"/>
+            <a:endParaRPr lang="en-US" altLang="ko-KR" sz="3200" dirty="0">
+              <a:latin typeface="서울남산체 M" panose="02020503020101020101" pitchFamily="18" charset="-127"/>
+              <a:ea typeface="서울남산체 M" panose="02020503020101020101" pitchFamily="18" charset="-127"/>
+            </a:endParaRPr>
+          </a:p>
+          <a:p>
+            <a:r>
+              <a:rPr lang="en-US" altLang="ko-KR" sz="3200" dirty="0">
+                <a:latin typeface="서울남산체 M" panose="02020503020101020101" pitchFamily="18" charset="-127"/>
+                <a:ea typeface="서울남산체 M" panose="02020503020101020101" pitchFamily="18" charset="-127"/>
+              </a:rPr>
               <a:t>-Length(</a:t>
             </a:r>
             <a:r>
-              <a:rPr lang="ko-KR" altLang="en-US" sz="2800" dirty="0"/>
+              <a:rPr lang="ko-KR" altLang="en-US" sz="3200" dirty="0">
+                <a:latin typeface="서울남산체 M" panose="02020503020101020101" pitchFamily="18" charset="-127"/>
+                <a:ea typeface="서울남산체 M" panose="02020503020101020101" pitchFamily="18" charset="-127"/>
+              </a:rPr>
               <a:t>여행지간 거리</a:t>
             </a:r>
             <a:r>
-              <a:rPr lang="en-US" altLang="ko-KR" sz="2800" dirty="0"/>
+              <a:rPr lang="en-US" altLang="ko-KR" sz="3200" dirty="0">
+                <a:latin typeface="서울남산체 M" panose="02020503020101020101" pitchFamily="18" charset="-127"/>
+                <a:ea typeface="서울남산체 M" panose="02020503020101020101" pitchFamily="18" charset="-127"/>
+              </a:rPr>
               <a:t>)</a:t>
             </a:r>
           </a:p>
           <a:p>
-            <a:endParaRPr lang="en-US" altLang="ko-KR" sz="2800" dirty="0"/>
-          </a:p>
-          <a:p>
-            <a:r>
-              <a:rPr lang="en-US" altLang="ko-KR" sz="2800" dirty="0"/>
+            <a:endParaRPr lang="en-US" altLang="ko-KR" sz="3200" dirty="0">
+              <a:latin typeface="서울남산체 M" panose="02020503020101020101" pitchFamily="18" charset="-127"/>
+              <a:ea typeface="서울남산체 M" panose="02020503020101020101" pitchFamily="18" charset="-127"/>
+            </a:endParaRPr>
+          </a:p>
+          <a:p>
+            <a:r>
+              <a:rPr lang="en-US" altLang="ko-KR" sz="3200" dirty="0">
+                <a:latin typeface="서울남산체 M" panose="02020503020101020101" pitchFamily="18" charset="-127"/>
+                <a:ea typeface="서울남산체 M" panose="02020503020101020101" pitchFamily="18" charset="-127"/>
+              </a:rPr>
               <a:t>-position(latitude, </a:t>
             </a:r>
             <a:r>
-              <a:rPr lang="en-US" altLang="ko-KR" sz="2800" dirty="0" err="1"/>
+              <a:rPr lang="en-US" altLang="ko-KR" sz="3200" dirty="0" err="1">
+                <a:latin typeface="서울남산체 M" panose="02020503020101020101" pitchFamily="18" charset="-127"/>
+                <a:ea typeface="서울남산체 M" panose="02020503020101020101" pitchFamily="18" charset="-127"/>
+              </a:rPr>
               <a:t>longtitude</a:t>
             </a:r>
             <a:r>
-              <a:rPr lang="en-US" altLang="ko-KR" sz="2800" dirty="0"/>
+              <a:rPr lang="en-US" altLang="ko-KR" sz="3200" dirty="0">
+                <a:latin typeface="서울남산체 M" panose="02020503020101020101" pitchFamily="18" charset="-127"/>
+                <a:ea typeface="서울남산체 M" panose="02020503020101020101" pitchFamily="18" charset="-127"/>
+              </a:rPr>
               <a:t>)</a:t>
             </a:r>
           </a:p>
@@ -11307,7 +11525,7 @@
         <p:spPr>
           <a:xfrm>
             <a:off x="720252" y="2199103"/>
-            <a:ext cx="9103654" cy="1938992"/>
+            <a:ext cx="9103654" cy="2308324"/>
           </a:xfrm>
           <a:prstGeom prst="rect">
             <a:avLst/>
@@ -11321,83 +11539,116 @@
           <a:lstStyle/>
           <a:p>
             <a:r>
-              <a:rPr lang="en-US" altLang="ko-KR" sz="2400" dirty="0"/>
-              <a:t>Public Destination </a:t>
-            </a:r>
-            <a:r>
-              <a:rPr lang="en-US" altLang="ko-KR" sz="2400" dirty="0" err="1"/>
-              <a:t>closeDestSearch</a:t>
-            </a:r>
-            <a:r>
-              <a:rPr lang="en-US" altLang="ko-KR" sz="2400" dirty="0"/>
-              <a:t>(Destination </a:t>
-            </a:r>
-            <a:r>
-              <a:rPr lang="en-US" altLang="ko-KR" sz="2400" dirty="0" err="1"/>
-              <a:t>dest</a:t>
-            </a:r>
-            <a:r>
-              <a:rPr lang="en-US" altLang="ko-KR" sz="2400" dirty="0"/>
+              <a:rPr lang="en-US" altLang="ko-KR" sz="2400" dirty="0">
+                <a:latin typeface="서울남산체 M" panose="02020503020101020101" pitchFamily="18" charset="-127"/>
+                <a:ea typeface="서울남산체 M" panose="02020503020101020101" pitchFamily="18" charset="-127"/>
+              </a:rPr>
+              <a:t>//</a:t>
+            </a:r>
+            <a:r>
+              <a:rPr lang="en-US" altLang="ko-KR" sz="2400" dirty="0" err="1">
+                <a:latin typeface="서울남산체 M" panose="02020503020101020101" pitchFamily="18" charset="-127"/>
+                <a:ea typeface="서울남산체 M" panose="02020503020101020101" pitchFamily="18" charset="-127"/>
+              </a:rPr>
+              <a:t>naver</a:t>
+            </a:r>
+            <a:r>
+              <a:rPr lang="en-US" altLang="ko-KR" sz="2400" dirty="0">
+                <a:latin typeface="서울남산체 M" panose="02020503020101020101" pitchFamily="18" charset="-127"/>
+                <a:ea typeface="서울남산체 M" panose="02020503020101020101" pitchFamily="18" charset="-127"/>
+              </a:rPr>
+              <a:t> map </a:t>
+            </a:r>
+            <a:r>
+              <a:rPr lang="en-US" altLang="ko-KR" sz="2400" dirty="0" err="1">
+                <a:latin typeface="서울남산체 M" panose="02020503020101020101" pitchFamily="18" charset="-127"/>
+                <a:ea typeface="서울남산체 M" panose="02020503020101020101" pitchFamily="18" charset="-127"/>
+              </a:rPr>
+              <a:t>api</a:t>
+            </a:r>
+            <a:r>
+              <a:rPr lang="ko-KR" altLang="en-US" sz="2400" dirty="0">
+                <a:latin typeface="서울남산체 M" panose="02020503020101020101" pitchFamily="18" charset="-127"/>
+                <a:ea typeface="서울남산체 M" panose="02020503020101020101" pitchFamily="18" charset="-127"/>
+              </a:rPr>
+              <a:t>를 이용</a:t>
+            </a:r>
+            <a:endParaRPr lang="en-US" altLang="ko-KR" sz="2400" dirty="0">
+              <a:latin typeface="서울남산체 M" panose="02020503020101020101" pitchFamily="18" charset="-127"/>
+              <a:ea typeface="서울남산체 M" panose="02020503020101020101" pitchFamily="18" charset="-127"/>
+            </a:endParaRPr>
+          </a:p>
+          <a:p>
+            <a:r>
+              <a:rPr lang="en-US" altLang="ko-KR" sz="2400" dirty="0">
+                <a:latin typeface="서울남산체 M" panose="02020503020101020101" pitchFamily="18" charset="-127"/>
+                <a:ea typeface="서울남산체 M" panose="02020503020101020101" pitchFamily="18" charset="-127"/>
+              </a:rPr>
+              <a:t>Public String[] </a:t>
+            </a:r>
+            <a:r>
+              <a:rPr lang="en-US" altLang="ko-KR" sz="2400" dirty="0" err="1">
+                <a:latin typeface="서울남산체 M" panose="02020503020101020101" pitchFamily="18" charset="-127"/>
+                <a:ea typeface="서울남산체 M" panose="02020503020101020101" pitchFamily="18" charset="-127"/>
+              </a:rPr>
+              <a:t>NameToPosition</a:t>
+            </a:r>
+            <a:r>
+              <a:rPr lang="en-US" altLang="ko-KR" sz="2400" dirty="0">
+                <a:latin typeface="서울남산체 M" panose="02020503020101020101" pitchFamily="18" charset="-127"/>
+                <a:ea typeface="서울남산체 M" panose="02020503020101020101" pitchFamily="18" charset="-127"/>
+              </a:rPr>
+              <a:t>(String </a:t>
+            </a:r>
+            <a:r>
+              <a:rPr lang="en-US" altLang="ko-KR" sz="2400" dirty="0" err="1">
+                <a:latin typeface="서울남산체 M" panose="02020503020101020101" pitchFamily="18" charset="-127"/>
+                <a:ea typeface="서울남산체 M" panose="02020503020101020101" pitchFamily="18" charset="-127"/>
+              </a:rPr>
+              <a:t>destName</a:t>
+            </a:r>
+            <a:r>
+              <a:rPr lang="en-US" altLang="ko-KR" sz="2400" dirty="0">
+                <a:latin typeface="서울남산체 M" panose="02020503020101020101" pitchFamily="18" charset="-127"/>
+                <a:ea typeface="서울남산체 M" panose="02020503020101020101" pitchFamily="18" charset="-127"/>
+              </a:rPr>
               <a:t>){</a:t>
             </a:r>
           </a:p>
           <a:p>
             <a:r>
-              <a:rPr lang="en-US" altLang="ko-KR" sz="2400" dirty="0"/>
+              <a:rPr lang="en-US" altLang="ko-KR" sz="2400" dirty="0">
+                <a:latin typeface="서울남산체 M" panose="02020503020101020101" pitchFamily="18" charset="-127"/>
+                <a:ea typeface="서울남산체 M" panose="02020503020101020101" pitchFamily="18" charset="-127"/>
+              </a:rPr>
               <a:t>	//</a:t>
             </a:r>
             <a:r>
-              <a:rPr lang="ko-KR" altLang="en-US" sz="2400" dirty="0"/>
-              <a:t>가까운 여행지 찾기</a:t>
-            </a:r>
-            <a:r>
-              <a:rPr lang="en-US" altLang="ko-KR" sz="2400" dirty="0"/>
-              <a:t> method </a:t>
-            </a:r>
-          </a:p>
-          <a:p>
-            <a:r>
-              <a:rPr lang="en-US" altLang="ko-KR" sz="2400" dirty="0"/>
-              <a:t>	//but </a:t>
-            </a:r>
-            <a:r>
-              <a:rPr lang="ko-KR" altLang="en-US" sz="2400" dirty="0"/>
-              <a:t>가까운 곳인데 </a:t>
-            </a:r>
-            <a:r>
-              <a:rPr lang="en-US" altLang="ko-KR" sz="2400" dirty="0"/>
-              <a:t>END point </a:t>
-            </a:r>
-            <a:r>
-              <a:rPr lang="ko-KR" altLang="en-US" sz="2400" dirty="0"/>
-              <a:t>제외</a:t>
-            </a:r>
+              <a:rPr lang="ko-KR" altLang="en-US" sz="2400" dirty="0">
+                <a:latin typeface="서울남산체 M" panose="02020503020101020101" pitchFamily="18" charset="-127"/>
+                <a:ea typeface="서울남산체 M" panose="02020503020101020101" pitchFamily="18" charset="-127"/>
+              </a:rPr>
+              <a:t>지역검색을 통해 장소 목록을 받는다</a:t>
+            </a:r>
+            <a:endParaRPr lang="en-US" altLang="ko-KR" sz="2400" dirty="0">
+              <a:latin typeface="서울남산체 M" panose="02020503020101020101" pitchFamily="18" charset="-127"/>
+              <a:ea typeface="서울남산체 M" panose="02020503020101020101" pitchFamily="18" charset="-127"/>
+            </a:endParaRPr>
+          </a:p>
+          <a:p>
+            <a:r>
+              <a:rPr lang="en-US" altLang="ko-KR" sz="2400" dirty="0">
+                <a:latin typeface="서울남산체 M" panose="02020503020101020101" pitchFamily="18" charset="-127"/>
+                <a:ea typeface="서울남산체 M" panose="02020503020101020101" pitchFamily="18" charset="-127"/>
+              </a:rPr>
+              <a:t>}</a:t>
+            </a:r>
+          </a:p>
+          <a:p>
             <a:endParaRPr lang="en-US" altLang="ko-KR" sz="2400" dirty="0"/>
           </a:p>
           <a:p>
-            <a:r>
-              <a:rPr lang="en-US" altLang="ko-KR" sz="2400" dirty="0"/>
-              <a:t>	//</a:t>
-            </a:r>
-            <a:r>
-              <a:rPr lang="ko-KR" altLang="en-US" sz="2400" dirty="0"/>
-              <a:t>가까운 곳이지만 </a:t>
-            </a:r>
-            <a:r>
-              <a:rPr lang="en-US" altLang="ko-KR" sz="2400" dirty="0"/>
-              <a:t>END Point </a:t>
-            </a:r>
-            <a:r>
-              <a:rPr lang="ko-KR" altLang="en-US" sz="2400" dirty="0"/>
-              <a:t>근처면 나중에 방문</a:t>
-            </a:r>
             <a:endParaRPr lang="en-US" altLang="ko-KR" sz="2400" dirty="0"/>
-          </a:p>
-          <a:p>
-            <a:r>
-              <a:rPr lang="en-US" altLang="ko-KR" sz="2400" dirty="0"/>
-              <a:t>}</a:t>
-            </a:r>
           </a:p>
         </p:txBody>
       </p:sp>
@@ -11719,7 +11970,7 @@
     </p:spTree>
     <p:extLst>
       <p:ext uri="{BB962C8B-B14F-4D97-AF65-F5344CB8AC3E}">
-        <p14:creationId xmlns:p14="http://schemas.microsoft.com/office/powerpoint/2010/main" val="532544040"/>
+        <p14:creationId xmlns:p14="http://schemas.microsoft.com/office/powerpoint/2010/main" val="2444292755"/>
       </p:ext>
     </p:extLst>
   </p:cSld>
@@ -11727,7 +11978,7 @@
     <a:masterClrMapping/>
   </p:clrMapOvr>
   <p:transition spd="slow">
-    <p:push dir="u"/>
+    <p:wipe/>
   </p:transition>
 </p:sld>
 </file>
@@ -11935,67 +12186,101 @@
           <a:lstStyle/>
           <a:p>
             <a:r>
-              <a:rPr lang="en-US" altLang="ko-KR" sz="2400" dirty="0"/>
-              <a:t>Public</a:t>
-            </a:r>
-            <a:r>
-              <a:rPr lang="ko-KR" altLang="en-US" sz="2400" dirty="0"/>
-              <a:t> </a:t>
-            </a:r>
-            <a:r>
-              <a:rPr lang="en-US" altLang="ko-KR" sz="2400" dirty="0"/>
-              <a:t>void</a:t>
-            </a:r>
-            <a:r>
-              <a:rPr lang="ko-KR" altLang="en-US" sz="2400" dirty="0"/>
-              <a:t> </a:t>
-            </a:r>
-            <a:r>
-              <a:rPr lang="en-US" altLang="ko-KR" sz="2400" dirty="0" err="1"/>
-              <a:t>addDestination</a:t>
-            </a:r>
-            <a:r>
-              <a:rPr lang="en-US" altLang="ko-KR" sz="2400" dirty="0"/>
-              <a:t>(Destination</a:t>
-            </a:r>
-            <a:r>
-              <a:rPr lang="ko-KR" altLang="en-US" sz="2400" dirty="0"/>
-              <a:t> </a:t>
-            </a:r>
-            <a:r>
-              <a:rPr lang="en-US" altLang="ko-KR" sz="2400" dirty="0" err="1"/>
-              <a:t>dest</a:t>
-            </a:r>
-            <a:r>
-              <a:rPr lang="en-US" altLang="ko-KR" sz="2400" dirty="0"/>
+              <a:rPr lang="en-US" altLang="ko-KR" sz="2400" dirty="0">
+                <a:latin typeface="서울남산체 M" panose="02020503020101020101" pitchFamily="18" charset="-127"/>
+                <a:ea typeface="서울남산체 M" panose="02020503020101020101" pitchFamily="18" charset="-127"/>
+              </a:rPr>
+              <a:t>Public void </a:t>
+            </a:r>
+            <a:r>
+              <a:rPr lang="en-US" altLang="ko-KR" sz="2400" dirty="0" err="1">
+                <a:latin typeface="서울남산체 M" panose="02020503020101020101" pitchFamily="18" charset="-127"/>
+                <a:ea typeface="서울남산체 M" panose="02020503020101020101" pitchFamily="18" charset="-127"/>
+              </a:rPr>
+              <a:t>jsonParse</a:t>
+            </a:r>
+            <a:r>
+              <a:rPr lang="en-US" altLang="ko-KR" sz="2400" dirty="0">
+                <a:latin typeface="서울남산체 M" panose="02020503020101020101" pitchFamily="18" charset="-127"/>
+                <a:ea typeface="서울남산체 M" panose="02020503020101020101" pitchFamily="18" charset="-127"/>
+              </a:rPr>
+              <a:t>(String </a:t>
+            </a:r>
+            <a:r>
+              <a:rPr lang="en-US" altLang="ko-KR" sz="2400" dirty="0" err="1">
+                <a:latin typeface="서울남산체 M" panose="02020503020101020101" pitchFamily="18" charset="-127"/>
+                <a:ea typeface="서울남산체 M" panose="02020503020101020101" pitchFamily="18" charset="-127"/>
+              </a:rPr>
+              <a:t>jsonString</a:t>
+            </a:r>
+            <a:r>
+              <a:rPr lang="en-US" altLang="ko-KR" sz="2400" dirty="0">
+                <a:latin typeface="서울남산체 M" panose="02020503020101020101" pitchFamily="18" charset="-127"/>
+                <a:ea typeface="서울남산체 M" panose="02020503020101020101" pitchFamily="18" charset="-127"/>
+              </a:rPr>
               <a:t>){</a:t>
             </a:r>
           </a:p>
           <a:p>
             <a:r>
-              <a:rPr lang="en-US" altLang="ko-KR" sz="2400" dirty="0"/>
-              <a:t>	//</a:t>
-            </a:r>
-            <a:r>
-              <a:rPr lang="ko-KR" altLang="en-US" sz="2400" dirty="0"/>
-              <a:t>가까운 곳을 찾아서</a:t>
-            </a:r>
-            <a:endParaRPr lang="en-US" altLang="ko-KR" sz="2400" dirty="0"/>
-          </a:p>
-          <a:p>
-            <a:r>
-              <a:rPr lang="en-US" altLang="ko-KR" sz="2400" dirty="0"/>
-              <a:t>	//Liked List</a:t>
-            </a:r>
-            <a:r>
-              <a:rPr lang="ko-KR" altLang="en-US" sz="2400" dirty="0"/>
-              <a:t>로 연결한다</a:t>
-            </a:r>
-            <a:endParaRPr lang="en-US" altLang="ko-KR" sz="2400" dirty="0"/>
-          </a:p>
-          <a:p>
-            <a:r>
-              <a:rPr lang="en-US" altLang="ko-KR" sz="2400" dirty="0"/>
+              <a:rPr lang="en-US" altLang="ko-KR" sz="2400" dirty="0">
+                <a:latin typeface="서울남산체 M" panose="02020503020101020101" pitchFamily="18" charset="-127"/>
+                <a:ea typeface="서울남산체 M" panose="02020503020101020101" pitchFamily="18" charset="-127"/>
+              </a:rPr>
+              <a:t>	//API</a:t>
+            </a:r>
+            <a:r>
+              <a:rPr lang="ko-KR" altLang="en-US" sz="2400" dirty="0">
+                <a:latin typeface="서울남산체 M" panose="02020503020101020101" pitchFamily="18" charset="-127"/>
+                <a:ea typeface="서울남산체 M" panose="02020503020101020101" pitchFamily="18" charset="-127"/>
+              </a:rPr>
+              <a:t>로 받은 </a:t>
+            </a:r>
+            <a:r>
+              <a:rPr lang="en-US" altLang="ko-KR" sz="2400" dirty="0" err="1">
+                <a:latin typeface="서울남산체 M" panose="02020503020101020101" pitchFamily="18" charset="-127"/>
+                <a:ea typeface="서울남산체 M" panose="02020503020101020101" pitchFamily="18" charset="-127"/>
+              </a:rPr>
+              <a:t>jsonString</a:t>
+            </a:r>
+            <a:r>
+              <a:rPr lang="ko-KR" altLang="en-US" sz="2400" dirty="0">
+                <a:latin typeface="서울남산체 M" panose="02020503020101020101" pitchFamily="18" charset="-127"/>
+                <a:ea typeface="서울남산체 M" panose="02020503020101020101" pitchFamily="18" charset="-127"/>
+              </a:rPr>
+              <a:t>을 이용한다</a:t>
+            </a:r>
+            <a:endParaRPr lang="en-US" altLang="ko-KR" sz="2400" dirty="0">
+              <a:latin typeface="서울남산체 M" panose="02020503020101020101" pitchFamily="18" charset="-127"/>
+              <a:ea typeface="서울남산체 M" panose="02020503020101020101" pitchFamily="18" charset="-127"/>
+            </a:endParaRPr>
+          </a:p>
+          <a:p>
+            <a:r>
+              <a:rPr lang="en-US" altLang="ko-KR" sz="2400" dirty="0">
+                <a:latin typeface="서울남산체 M" panose="02020503020101020101" pitchFamily="18" charset="-127"/>
+                <a:ea typeface="서울남산체 M" panose="02020503020101020101" pitchFamily="18" charset="-127"/>
+              </a:rPr>
+              <a:t>	//parse</a:t>
+            </a:r>
+            <a:r>
+              <a:rPr lang="ko-KR" altLang="en-US" sz="2400" dirty="0">
+                <a:latin typeface="서울남산체 M" panose="02020503020101020101" pitchFamily="18" charset="-127"/>
+                <a:ea typeface="서울남산체 M" panose="02020503020101020101" pitchFamily="18" charset="-127"/>
+              </a:rPr>
+              <a:t>하여 지명에 맞는 주소와 좌표를 찾는다</a:t>
+            </a:r>
+            <a:endParaRPr lang="en-US" altLang="ko-KR" sz="2400" dirty="0">
+              <a:latin typeface="서울남산체 M" panose="02020503020101020101" pitchFamily="18" charset="-127"/>
+              <a:ea typeface="서울남산체 M" panose="02020503020101020101" pitchFamily="18" charset="-127"/>
+            </a:endParaRPr>
+          </a:p>
+          <a:p>
+            <a:r>
+              <a:rPr lang="en-US" altLang="ko-KR" sz="2400" dirty="0">
+                <a:latin typeface="서울남산체 M" panose="02020503020101020101" pitchFamily="18" charset="-127"/>
+                <a:ea typeface="서울남산체 M" panose="02020503020101020101" pitchFamily="18" charset="-127"/>
+              </a:rPr>
               <a:t>}</a:t>
             </a:r>
           </a:p>
@@ -12319,7 +12604,7 @@
     </p:spTree>
     <p:extLst>
       <p:ext uri="{BB962C8B-B14F-4D97-AF65-F5344CB8AC3E}">
-        <p14:creationId xmlns:p14="http://schemas.microsoft.com/office/powerpoint/2010/main" val="2623172195"/>
+        <p14:creationId xmlns:p14="http://schemas.microsoft.com/office/powerpoint/2010/main" val="1592588000"/>
       </p:ext>
     </p:extLst>
   </p:cSld>
@@ -12521,7 +12806,7 @@
         <p:spPr>
           <a:xfrm>
             <a:off x="720252" y="2199103"/>
-            <a:ext cx="9103654" cy="2308324"/>
+            <a:ext cx="9103654" cy="1938992"/>
           </a:xfrm>
           <a:prstGeom prst="rect">
             <a:avLst/>
@@ -12535,59 +12820,172 @@
           <a:lstStyle/>
           <a:p>
             <a:r>
-              <a:rPr lang="en-US" altLang="ko-KR" sz="2400" dirty="0"/>
-              <a:t>//API</a:t>
-            </a:r>
-            <a:r>
-              <a:rPr lang="ko-KR" altLang="en-US" sz="2400" dirty="0"/>
-              <a:t>에서 여행지를 입력하면 여행코드를 알 수 있다</a:t>
-            </a:r>
-            <a:endParaRPr lang="en-US" altLang="ko-KR" sz="2400" dirty="0"/>
-          </a:p>
-          <a:p>
-            <a:r>
-              <a:rPr lang="en-US" altLang="ko-KR" sz="2400" dirty="0"/>
-              <a:t>Public int[] </a:t>
-            </a:r>
-            <a:r>
-              <a:rPr lang="en-US" altLang="ko-KR" sz="2400" dirty="0" err="1"/>
-              <a:t>NameToPosition</a:t>
-            </a:r>
-            <a:r>
-              <a:rPr lang="en-US" altLang="ko-KR" sz="2400" dirty="0"/>
-              <a:t>(String </a:t>
-            </a:r>
-            <a:r>
-              <a:rPr lang="en-US" altLang="ko-KR" sz="2400" dirty="0" err="1"/>
-              <a:t>destName</a:t>
-            </a:r>
-            <a:r>
-              <a:rPr lang="en-US" altLang="ko-KR" sz="2400" dirty="0"/>
-              <a:t>){</a:t>
-            </a:r>
-          </a:p>
-          <a:p>
-            <a:r>
-              <a:rPr lang="en-US" altLang="ko-KR" sz="2400" dirty="0"/>
+              <a:rPr lang="en-US" altLang="ko-KR" sz="2400" dirty="0">
+                <a:latin typeface="서울남산체 M" panose="02020503020101020101" pitchFamily="18" charset="-127"/>
+                <a:ea typeface="서울남산체 M" panose="02020503020101020101" pitchFamily="18" charset="-127"/>
+              </a:rPr>
+              <a:t>Public void KTMtoWGS84(String position){</a:t>
+            </a:r>
+          </a:p>
+          <a:p>
+            <a:r>
+              <a:rPr lang="en-US" altLang="ko-KR" sz="2400" dirty="0">
+                <a:latin typeface="서울남산체 M" panose="02020503020101020101" pitchFamily="18" charset="-127"/>
+                <a:ea typeface="서울남산체 M" panose="02020503020101020101" pitchFamily="18" charset="-127"/>
+              </a:rPr>
               <a:t>	//</a:t>
             </a:r>
             <a:r>
-              <a:rPr lang="ko-KR" altLang="en-US" sz="2400" dirty="0"/>
-              <a:t>가고 싶은 여행지의 여행코드를 찾아서 변환</a:t>
-            </a:r>
-            <a:endParaRPr lang="en-US" altLang="ko-KR" sz="2400" dirty="0"/>
-          </a:p>
-          <a:p>
-            <a:r>
-              <a:rPr lang="en-US" altLang="ko-KR" sz="2400" dirty="0"/>
+              <a:rPr lang="en-US" altLang="ko-KR" sz="2400" dirty="0" err="1">
+                <a:latin typeface="서울남산체 M" panose="02020503020101020101" pitchFamily="18" charset="-127"/>
+                <a:ea typeface="서울남산체 M" panose="02020503020101020101" pitchFamily="18" charset="-127"/>
+              </a:rPr>
+              <a:t>naver</a:t>
+            </a:r>
+            <a:r>
+              <a:rPr lang="en-US" altLang="ko-KR" sz="2400" dirty="0">
+                <a:latin typeface="서울남산체 M" panose="02020503020101020101" pitchFamily="18" charset="-127"/>
+                <a:ea typeface="서울남산체 M" panose="02020503020101020101" pitchFamily="18" charset="-127"/>
+              </a:rPr>
+              <a:t> map </a:t>
+            </a:r>
+            <a:r>
+              <a:rPr lang="en-US" altLang="ko-KR" sz="2400" dirty="0" err="1">
+                <a:latin typeface="서울남산체 M" panose="02020503020101020101" pitchFamily="18" charset="-127"/>
+                <a:ea typeface="서울남산체 M" panose="02020503020101020101" pitchFamily="18" charset="-127"/>
+              </a:rPr>
+              <a:t>pai</a:t>
+            </a:r>
+            <a:r>
+              <a:rPr lang="ko-KR" altLang="en-US" sz="2400" dirty="0">
+                <a:latin typeface="서울남산체 M" panose="02020503020101020101" pitchFamily="18" charset="-127"/>
+                <a:ea typeface="서울남산체 M" panose="02020503020101020101" pitchFamily="18" charset="-127"/>
+              </a:rPr>
+              <a:t>와 </a:t>
+            </a:r>
+            <a:r>
+              <a:rPr lang="en-US" altLang="ko-KR" sz="2400" dirty="0" err="1">
+                <a:latin typeface="서울남산체 M" panose="02020503020101020101" pitchFamily="18" charset="-127"/>
+                <a:ea typeface="서울남산체 M" panose="02020503020101020101" pitchFamily="18" charset="-127"/>
+              </a:rPr>
+              <a:t>daum</a:t>
+            </a:r>
+            <a:r>
+              <a:rPr lang="en-US" altLang="ko-KR" sz="2400" dirty="0">
+                <a:latin typeface="서울남산체 M" panose="02020503020101020101" pitchFamily="18" charset="-127"/>
+                <a:ea typeface="서울남산체 M" panose="02020503020101020101" pitchFamily="18" charset="-127"/>
+              </a:rPr>
+              <a:t> map </a:t>
+            </a:r>
+            <a:r>
+              <a:rPr lang="en-US" altLang="ko-KR" sz="2400" dirty="0" err="1">
+                <a:latin typeface="서울남산체 M" panose="02020503020101020101" pitchFamily="18" charset="-127"/>
+                <a:ea typeface="서울남산체 M" panose="02020503020101020101" pitchFamily="18" charset="-127"/>
+              </a:rPr>
+              <a:t>api</a:t>
+            </a:r>
+            <a:r>
+              <a:rPr lang="ko-KR" altLang="en-US" sz="2400" dirty="0">
+                <a:latin typeface="서울남산체 M" panose="02020503020101020101" pitchFamily="18" charset="-127"/>
+                <a:ea typeface="서울남산체 M" panose="02020503020101020101" pitchFamily="18" charset="-127"/>
+              </a:rPr>
+              <a:t>의</a:t>
+            </a:r>
+            <a:endParaRPr lang="en-US" altLang="ko-KR" sz="2400" dirty="0">
+              <a:latin typeface="서울남산체 M" panose="02020503020101020101" pitchFamily="18" charset="-127"/>
+              <a:ea typeface="서울남산체 M" panose="02020503020101020101" pitchFamily="18" charset="-127"/>
+            </a:endParaRPr>
+          </a:p>
+          <a:p>
+            <a:r>
+              <a:rPr lang="en-US" altLang="ko-KR" sz="2400" dirty="0">
+                <a:latin typeface="서울남산체 M" panose="02020503020101020101" pitchFamily="18" charset="-127"/>
+                <a:ea typeface="서울남산체 M" panose="02020503020101020101" pitchFamily="18" charset="-127"/>
+              </a:rPr>
+              <a:t>	//</a:t>
+            </a:r>
+            <a:r>
+              <a:rPr lang="ko-KR" altLang="en-US" sz="2400" dirty="0">
+                <a:latin typeface="서울남산체 M" panose="02020503020101020101" pitchFamily="18" charset="-127"/>
+                <a:ea typeface="서울남산체 M" panose="02020503020101020101" pitchFamily="18" charset="-127"/>
+              </a:rPr>
+              <a:t>좌표</a:t>
+            </a:r>
+            <a:r>
+              <a:rPr lang="en-US" altLang="ko-KR" sz="2400" dirty="0">
+                <a:latin typeface="서울남산체 M" panose="02020503020101020101" pitchFamily="18" charset="-127"/>
+                <a:ea typeface="서울남산체 M" panose="02020503020101020101" pitchFamily="18" charset="-127"/>
+              </a:rPr>
+              <a:t> </a:t>
+            </a:r>
+            <a:r>
+              <a:rPr lang="ko-KR" altLang="en-US" sz="2400" dirty="0">
+                <a:latin typeface="서울남산체 M" panose="02020503020101020101" pitchFamily="18" charset="-127"/>
+                <a:ea typeface="서울남산체 M" panose="02020503020101020101" pitchFamily="18" charset="-127"/>
+              </a:rPr>
+              <a:t>형식이 다르므로 </a:t>
+            </a:r>
+            <a:r>
+              <a:rPr lang="en-US" altLang="ko-KR" sz="2400" dirty="0" err="1">
+                <a:latin typeface="서울남산체 M" panose="02020503020101020101" pitchFamily="18" charset="-127"/>
+                <a:ea typeface="서울남산체 M" panose="02020503020101020101" pitchFamily="18" charset="-127"/>
+              </a:rPr>
+              <a:t>daum</a:t>
+            </a:r>
+            <a:r>
+              <a:rPr lang="en-US" altLang="ko-KR" sz="2400" dirty="0">
+                <a:latin typeface="서울남산체 M" panose="02020503020101020101" pitchFamily="18" charset="-127"/>
+                <a:ea typeface="서울남산체 M" panose="02020503020101020101" pitchFamily="18" charset="-127"/>
+              </a:rPr>
+              <a:t> map</a:t>
+            </a:r>
+            <a:r>
+              <a:rPr lang="ko-KR" altLang="en-US" sz="2400" dirty="0">
+                <a:latin typeface="서울남산체 M" panose="02020503020101020101" pitchFamily="18" charset="-127"/>
+                <a:ea typeface="서울남산체 M" panose="02020503020101020101" pitchFamily="18" charset="-127"/>
+              </a:rPr>
+              <a:t>에</a:t>
+            </a:r>
+            <a:endParaRPr lang="en-US" altLang="ko-KR" sz="2400" dirty="0">
+              <a:latin typeface="서울남산체 M" panose="02020503020101020101" pitchFamily="18" charset="-127"/>
+              <a:ea typeface="서울남산체 M" panose="02020503020101020101" pitchFamily="18" charset="-127"/>
+            </a:endParaRPr>
+          </a:p>
+          <a:p>
+            <a:r>
+              <a:rPr lang="en-US" altLang="ko-KR" sz="2400" dirty="0">
+                <a:latin typeface="서울남산체 M" panose="02020503020101020101" pitchFamily="18" charset="-127"/>
+                <a:ea typeface="서울남산체 M" panose="02020503020101020101" pitchFamily="18" charset="-127"/>
+              </a:rPr>
+              <a:t>	//</a:t>
+            </a:r>
+            <a:r>
+              <a:rPr lang="ko-KR" altLang="en-US" sz="2400" dirty="0" err="1">
+                <a:latin typeface="서울남산체 M" panose="02020503020101020101" pitchFamily="18" charset="-127"/>
+                <a:ea typeface="서울남산체 M" panose="02020503020101020101" pitchFamily="18" charset="-127"/>
+              </a:rPr>
+              <a:t>나타내주기</a:t>
+            </a:r>
+            <a:r>
+              <a:rPr lang="ko-KR" altLang="en-US" sz="2400" dirty="0">
+                <a:latin typeface="서울남산체 M" panose="02020503020101020101" pitchFamily="18" charset="-127"/>
+                <a:ea typeface="서울남산체 M" panose="02020503020101020101" pitchFamily="18" charset="-127"/>
+              </a:rPr>
+              <a:t> 위해서 변환 해준다</a:t>
+            </a:r>
+            <a:endParaRPr lang="en-US" altLang="ko-KR" sz="2400" dirty="0">
+              <a:latin typeface="서울남산체 M" panose="02020503020101020101" pitchFamily="18" charset="-127"/>
+              <a:ea typeface="서울남산체 M" panose="02020503020101020101" pitchFamily="18" charset="-127"/>
+            </a:endParaRPr>
+          </a:p>
+          <a:p>
+            <a:r>
+              <a:rPr lang="en-US" altLang="ko-KR" sz="2400" dirty="0">
+                <a:latin typeface="서울남산체 M" panose="02020503020101020101" pitchFamily="18" charset="-127"/>
+                <a:ea typeface="서울남산체 M" panose="02020503020101020101" pitchFamily="18" charset="-127"/>
+              </a:rPr>
               <a:t>}</a:t>
             </a:r>
-          </a:p>
-          <a:p>
-            <a:endParaRPr lang="en-US" altLang="ko-KR" sz="2400" dirty="0"/>
-          </a:p>
-          <a:p>
-            <a:endParaRPr lang="en-US" altLang="ko-KR" sz="2400" dirty="0"/>
           </a:p>
         </p:txBody>
       </p:sp>
@@ -12909,7 +13307,7 @@
     </p:spTree>
     <p:extLst>
       <p:ext uri="{BB962C8B-B14F-4D97-AF65-F5344CB8AC3E}">
-        <p14:creationId xmlns:p14="http://schemas.microsoft.com/office/powerpoint/2010/main" val="2444292755"/>
+        <p14:creationId xmlns:p14="http://schemas.microsoft.com/office/powerpoint/2010/main" val="1051565707"/>
       </p:ext>
     </p:extLst>
   </p:cSld>
@@ -13125,54 +13523,93 @@
           <a:lstStyle/>
           <a:p>
             <a:r>
-              <a:rPr lang="en-US" altLang="ko-KR" sz="2400" dirty="0"/>
+              <a:rPr lang="en-US" altLang="ko-KR" sz="2400" dirty="0">
+                <a:latin typeface="서울남산체 M" panose="02020503020101020101" pitchFamily="18" charset="-127"/>
+                <a:ea typeface="서울남산체 M" panose="02020503020101020101" pitchFamily="18" charset="-127"/>
+              </a:rPr>
               <a:t>Public Destination </a:t>
             </a:r>
             <a:r>
-              <a:rPr lang="en-US" altLang="ko-KR" sz="2400" dirty="0" err="1"/>
+              <a:rPr lang="en-US" altLang="ko-KR" sz="2400" dirty="0" err="1">
+                <a:latin typeface="서울남산체 M" panose="02020503020101020101" pitchFamily="18" charset="-127"/>
+                <a:ea typeface="서울남산체 M" panose="02020503020101020101" pitchFamily="18" charset="-127"/>
+              </a:rPr>
               <a:t>createDestination</a:t>
             </a:r>
             <a:r>
-              <a:rPr lang="en-US" altLang="ko-KR" sz="2400" dirty="0"/>
-              <a:t>(int[] position){</a:t>
-            </a:r>
-          </a:p>
-          <a:p>
-            <a:r>
-              <a:rPr lang="en-US" altLang="ko-KR" sz="2400" dirty="0"/>
+              <a:rPr lang="en-US" altLang="ko-KR" sz="2400" dirty="0">
+                <a:latin typeface="서울남산체 M" panose="02020503020101020101" pitchFamily="18" charset="-127"/>
+                <a:ea typeface="서울남산체 M" panose="02020503020101020101" pitchFamily="18" charset="-127"/>
+              </a:rPr>
+              <a:t>(String position){</a:t>
+            </a:r>
+          </a:p>
+          <a:p>
+            <a:r>
+              <a:rPr lang="en-US" altLang="ko-KR" sz="2400" dirty="0">
+                <a:latin typeface="서울남산체 M" panose="02020503020101020101" pitchFamily="18" charset="-127"/>
+                <a:ea typeface="서울남산체 M" panose="02020503020101020101" pitchFamily="18" charset="-127"/>
+              </a:rPr>
               <a:t>	//</a:t>
             </a:r>
             <a:r>
-              <a:rPr lang="ko-KR" altLang="en-US" sz="2400" dirty="0"/>
+              <a:rPr lang="ko-KR" altLang="en-US" sz="2400" dirty="0">
+                <a:latin typeface="서울남산체 M" panose="02020503020101020101" pitchFamily="18" charset="-127"/>
+                <a:ea typeface="서울남산체 M" panose="02020503020101020101" pitchFamily="18" charset="-127"/>
+              </a:rPr>
               <a:t>찾은 위치정보를 가지고</a:t>
             </a:r>
-            <a:endParaRPr lang="en-US" altLang="ko-KR" sz="2400" dirty="0"/>
-          </a:p>
-          <a:p>
-            <a:r>
-              <a:rPr lang="en-US" altLang="ko-KR" sz="2400" dirty="0"/>
+            <a:endParaRPr lang="en-US" altLang="ko-KR" sz="2400" dirty="0">
+              <a:latin typeface="서울남산체 M" panose="02020503020101020101" pitchFamily="18" charset="-127"/>
+              <a:ea typeface="서울남산체 M" panose="02020503020101020101" pitchFamily="18" charset="-127"/>
+            </a:endParaRPr>
+          </a:p>
+          <a:p>
+            <a:r>
+              <a:rPr lang="en-US" altLang="ko-KR" sz="2400" dirty="0">
+                <a:latin typeface="서울남산체 M" panose="02020503020101020101" pitchFamily="18" charset="-127"/>
+                <a:ea typeface="서울남산체 M" panose="02020503020101020101" pitchFamily="18" charset="-127"/>
+              </a:rPr>
               <a:t>	//</a:t>
             </a:r>
             <a:r>
-              <a:rPr lang="ko-KR" altLang="en-US" sz="2400" dirty="0"/>
+              <a:rPr lang="ko-KR" altLang="en-US" sz="2400" dirty="0">
+                <a:latin typeface="서울남산체 M" panose="02020503020101020101" pitchFamily="18" charset="-127"/>
+                <a:ea typeface="서울남산체 M" panose="02020503020101020101" pitchFamily="18" charset="-127"/>
+              </a:rPr>
               <a:t>여행지 노드를 생성한다</a:t>
             </a:r>
-            <a:endParaRPr lang="en-US" altLang="ko-KR" sz="2400" dirty="0"/>
-          </a:p>
-          <a:p>
-            <a:r>
-              <a:rPr lang="en-US" altLang="ko-KR" sz="2400" dirty="0"/>
+            <a:endParaRPr lang="en-US" altLang="ko-KR" sz="2400" dirty="0">
+              <a:latin typeface="서울남산체 M" panose="02020503020101020101" pitchFamily="18" charset="-127"/>
+              <a:ea typeface="서울남산체 M" panose="02020503020101020101" pitchFamily="18" charset="-127"/>
+            </a:endParaRPr>
+          </a:p>
+          <a:p>
+            <a:r>
+              <a:rPr lang="en-US" altLang="ko-KR" sz="2400" dirty="0">
+                <a:latin typeface="서울남산체 M" panose="02020503020101020101" pitchFamily="18" charset="-127"/>
+                <a:ea typeface="서울남산체 M" panose="02020503020101020101" pitchFamily="18" charset="-127"/>
+              </a:rPr>
               <a:t>	//</a:t>
             </a:r>
             <a:r>
-              <a:rPr lang="ko-KR" altLang="en-US" sz="2400" dirty="0"/>
+              <a:rPr lang="ko-KR" altLang="en-US" sz="2400" dirty="0">
+                <a:latin typeface="서울남산체 M" panose="02020503020101020101" pitchFamily="18" charset="-127"/>
+                <a:ea typeface="서울남산체 M" panose="02020503020101020101" pitchFamily="18" charset="-127"/>
+              </a:rPr>
               <a:t>지도에도 표시 할 예정</a:t>
             </a:r>
-            <a:endParaRPr lang="en-US" altLang="ko-KR" sz="2400" dirty="0"/>
-          </a:p>
-          <a:p>
-            <a:r>
-              <a:rPr lang="en-US" altLang="ko-KR" sz="2400" dirty="0"/>
+            <a:endParaRPr lang="en-US" altLang="ko-KR" sz="2400" dirty="0">
+              <a:latin typeface="서울남산체 M" panose="02020503020101020101" pitchFamily="18" charset="-127"/>
+              <a:ea typeface="서울남산체 M" panose="02020503020101020101" pitchFamily="18" charset="-127"/>
+            </a:endParaRPr>
+          </a:p>
+          <a:p>
+            <a:r>
+              <a:rPr lang="en-US" altLang="ko-KR" sz="2400" dirty="0">
+                <a:latin typeface="서울남산체 M" panose="02020503020101020101" pitchFamily="18" charset="-127"/>
+                <a:ea typeface="서울남산체 M" panose="02020503020101020101" pitchFamily="18" charset="-127"/>
+              </a:rPr>
               <a:t>}</a:t>
             </a:r>
           </a:p>
@@ -13698,7 +14135,7 @@
         <p:spPr>
           <a:xfrm>
             <a:off x="720252" y="2199103"/>
-            <a:ext cx="9103654" cy="1569660"/>
+            <a:ext cx="9103654" cy="2308324"/>
           </a:xfrm>
           <a:prstGeom prst="rect">
             <a:avLst/>
@@ -13712,59 +14149,100 @@
           <a:lstStyle/>
           <a:p>
             <a:r>
-              <a:rPr lang="en-US" altLang="ko-KR" sz="2400" dirty="0"/>
-              <a:t>Public String </a:t>
-            </a:r>
-            <a:r>
-              <a:rPr lang="en-US" altLang="ko-KR" sz="2400" dirty="0" err="1"/>
-              <a:t>jsonParse</a:t>
-            </a:r>
-            <a:r>
-              <a:rPr lang="en-US" altLang="ko-KR" sz="2400" dirty="0"/>
-              <a:t>(String </a:t>
-            </a:r>
-            <a:r>
-              <a:rPr lang="en-US" altLang="ko-KR" sz="2400" dirty="0" err="1"/>
-              <a:t>jsonString</a:t>
-            </a:r>
-            <a:r>
-              <a:rPr lang="en-US" altLang="ko-KR" sz="2400" dirty="0"/>
-              <a:t>){</a:t>
-            </a:r>
-          </a:p>
-          <a:p>
-            <a:r>
-              <a:rPr lang="en-US" altLang="ko-KR" sz="2400" dirty="0"/>
-              <a:t>	//API</a:t>
-            </a:r>
-            <a:r>
-              <a:rPr lang="ko-KR" altLang="en-US" sz="2400" dirty="0"/>
-              <a:t>로 받은 </a:t>
-            </a:r>
-            <a:r>
-              <a:rPr lang="en-US" altLang="ko-KR" sz="2400" dirty="0" err="1"/>
-              <a:t>jsonString</a:t>
-            </a:r>
-            <a:r>
-              <a:rPr lang="ko-KR" altLang="en-US" sz="2400" dirty="0"/>
-              <a:t>을 이용한다</a:t>
-            </a:r>
-            <a:endParaRPr lang="en-US" altLang="ko-KR" sz="2400" dirty="0"/>
-          </a:p>
-          <a:p>
-            <a:r>
-              <a:rPr lang="en-US" altLang="ko-KR" sz="2400" dirty="0"/>
-              <a:t>	//parse</a:t>
-            </a:r>
-            <a:r>
-              <a:rPr lang="ko-KR" altLang="en-US" sz="2400" dirty="0"/>
-              <a:t>하여 지명에 맞는 주소와 좌표를 찾는다</a:t>
-            </a:r>
-            <a:endParaRPr lang="en-US" altLang="ko-KR" sz="2400" dirty="0"/>
-          </a:p>
-          <a:p>
-            <a:r>
-              <a:rPr lang="en-US" altLang="ko-KR" sz="2400" dirty="0"/>
+              <a:rPr lang="en-US" altLang="ko-KR" sz="2400" dirty="0">
+                <a:latin typeface="서울남산체 M" panose="02020503020101020101" pitchFamily="18" charset="-127"/>
+                <a:ea typeface="서울남산체 M" panose="02020503020101020101" pitchFamily="18" charset="-127"/>
+              </a:rPr>
+              <a:t>Public float </a:t>
+            </a:r>
+            <a:r>
+              <a:rPr lang="en-US" altLang="ko-KR" sz="2400" dirty="0" err="1">
+                <a:latin typeface="서울남산체 M" panose="02020503020101020101" pitchFamily="18" charset="-127"/>
+                <a:ea typeface="서울남산체 M" panose="02020503020101020101" pitchFamily="18" charset="-127"/>
+              </a:rPr>
+              <a:t>DestinationLength</a:t>
+            </a:r>
+            <a:r>
+              <a:rPr lang="en-US" altLang="ko-KR" sz="2400" dirty="0">
+                <a:latin typeface="서울남산체 M" panose="02020503020101020101" pitchFamily="18" charset="-127"/>
+                <a:ea typeface="서울남산체 M" panose="02020503020101020101" pitchFamily="18" charset="-127"/>
+              </a:rPr>
+              <a:t>(Destination dest1, Destination dest2){</a:t>
+            </a:r>
+          </a:p>
+          <a:p>
+            <a:r>
+              <a:rPr lang="en-US" altLang="ko-KR" sz="2400" dirty="0">
+                <a:latin typeface="서울남산체 M" panose="02020503020101020101" pitchFamily="18" charset="-127"/>
+                <a:ea typeface="서울남산체 M" panose="02020503020101020101" pitchFamily="18" charset="-127"/>
+              </a:rPr>
+              <a:t>	//</a:t>
+            </a:r>
+            <a:r>
+              <a:rPr lang="ko-KR" altLang="en-US" sz="2400" dirty="0">
+                <a:latin typeface="서울남산체 M" panose="02020503020101020101" pitchFamily="18" charset="-127"/>
+                <a:ea typeface="서울남산체 M" panose="02020503020101020101" pitchFamily="18" charset="-127"/>
+              </a:rPr>
+              <a:t>거리를 비교할 여행지를 </a:t>
+            </a:r>
+            <a:r>
+              <a:rPr lang="ko-KR" altLang="en-US" sz="2400" dirty="0" err="1">
+                <a:latin typeface="서울남산체 M" panose="02020503020101020101" pitchFamily="18" charset="-127"/>
+                <a:ea typeface="서울남산체 M" panose="02020503020101020101" pitchFamily="18" charset="-127"/>
+              </a:rPr>
+              <a:t>입력받는다</a:t>
+            </a:r>
+            <a:endParaRPr lang="en-US" altLang="ko-KR" sz="2400" dirty="0">
+              <a:latin typeface="서울남산체 M" panose="02020503020101020101" pitchFamily="18" charset="-127"/>
+              <a:ea typeface="서울남산체 M" panose="02020503020101020101" pitchFamily="18" charset="-127"/>
+            </a:endParaRPr>
+          </a:p>
+          <a:p>
+            <a:r>
+              <a:rPr lang="en-US" altLang="ko-KR" sz="2400" dirty="0">
+                <a:latin typeface="서울남산체 M" panose="02020503020101020101" pitchFamily="18" charset="-127"/>
+                <a:ea typeface="서울남산체 M" panose="02020503020101020101" pitchFamily="18" charset="-127"/>
+              </a:rPr>
+              <a:t>	//</a:t>
+            </a:r>
+            <a:r>
+              <a:rPr lang="ko-KR" altLang="en-US" sz="2400" dirty="0">
+                <a:latin typeface="서울남산체 M" panose="02020503020101020101" pitchFamily="18" charset="-127"/>
+                <a:ea typeface="서울남산체 M" panose="02020503020101020101" pitchFamily="18" charset="-127"/>
+              </a:rPr>
+              <a:t>두 여행지의 위도와 경도 정보를 이용하여</a:t>
+            </a:r>
+            <a:endParaRPr lang="en-US" altLang="ko-KR" sz="2400" dirty="0">
+              <a:latin typeface="서울남산체 M" panose="02020503020101020101" pitchFamily="18" charset="-127"/>
+              <a:ea typeface="서울남산체 M" panose="02020503020101020101" pitchFamily="18" charset="-127"/>
+            </a:endParaRPr>
+          </a:p>
+          <a:p>
+            <a:r>
+              <a:rPr lang="en-US" altLang="ko-KR" sz="2400" dirty="0">
+                <a:latin typeface="서울남산체 M" panose="02020503020101020101" pitchFamily="18" charset="-127"/>
+                <a:ea typeface="서울남산체 M" panose="02020503020101020101" pitchFamily="18" charset="-127"/>
+              </a:rPr>
+              <a:t>	//</a:t>
+            </a:r>
+            <a:r>
+              <a:rPr lang="ko-KR" altLang="en-US" sz="2400" dirty="0">
+                <a:latin typeface="서울남산체 M" panose="02020503020101020101" pitchFamily="18" charset="-127"/>
+                <a:ea typeface="서울남산체 M" panose="02020503020101020101" pitchFamily="18" charset="-127"/>
+              </a:rPr>
+              <a:t>거리를 얻어낸다</a:t>
+            </a:r>
+            <a:endParaRPr lang="en-US" altLang="ko-KR" sz="2400" dirty="0">
+              <a:latin typeface="서울남산체 M" panose="02020503020101020101" pitchFamily="18" charset="-127"/>
+              <a:ea typeface="서울남산체 M" panose="02020503020101020101" pitchFamily="18" charset="-127"/>
+            </a:endParaRPr>
+          </a:p>
+          <a:p>
+            <a:r>
+              <a:rPr lang="en-US" altLang="ko-KR" sz="2400" dirty="0">
+                <a:latin typeface="서울남산체 M" panose="02020503020101020101" pitchFamily="18" charset="-127"/>
+                <a:ea typeface="서울남산체 M" panose="02020503020101020101" pitchFamily="18" charset="-127"/>
+              </a:rPr>
               <a:t>}</a:t>
             </a:r>
           </a:p>
@@ -14088,7 +14566,7 @@
     </p:spTree>
     <p:extLst>
       <p:ext uri="{BB962C8B-B14F-4D97-AF65-F5344CB8AC3E}">
-        <p14:creationId xmlns:p14="http://schemas.microsoft.com/office/powerpoint/2010/main" val="1592588000"/>
+        <p14:creationId xmlns:p14="http://schemas.microsoft.com/office/powerpoint/2010/main" val="325318001"/>
       </p:ext>
     </p:extLst>
   </p:cSld>
@@ -14290,7 +14768,7 @@
         <p:spPr>
           <a:xfrm>
             <a:off x="720252" y="2199103"/>
-            <a:ext cx="9103654" cy="2308324"/>
+            <a:ext cx="9103654" cy="1938992"/>
           </a:xfrm>
           <a:prstGeom prst="rect">
             <a:avLst/>
@@ -14304,58 +14782,138 @@
           <a:lstStyle/>
           <a:p>
             <a:r>
-              <a:rPr lang="en-US" altLang="ko-KR" sz="2400" dirty="0"/>
-              <a:t>Public float </a:t>
-            </a:r>
-            <a:r>
-              <a:rPr lang="en-US" altLang="ko-KR" sz="2400" dirty="0" err="1"/>
-              <a:t>DestinationLength</a:t>
-            </a:r>
-            <a:r>
-              <a:rPr lang="en-US" altLang="ko-KR" sz="2400" dirty="0"/>
-              <a:t>(Destination dest1, Destination dest2){</a:t>
-            </a:r>
-          </a:p>
-          <a:p>
-            <a:r>
-              <a:rPr lang="en-US" altLang="ko-KR" sz="2400" dirty="0"/>
+              <a:rPr lang="en-US" altLang="ko-KR" sz="2400" dirty="0">
+                <a:latin typeface="서울남산체 M" panose="02020503020101020101" pitchFamily="18" charset="-127"/>
+                <a:ea typeface="서울남산체 M" panose="02020503020101020101" pitchFamily="18" charset="-127"/>
+              </a:rPr>
+              <a:t>Public Destination </a:t>
+            </a:r>
+            <a:r>
+              <a:rPr lang="en-US" altLang="ko-KR" sz="2400" dirty="0" err="1">
+                <a:latin typeface="서울남산체 M" panose="02020503020101020101" pitchFamily="18" charset="-127"/>
+                <a:ea typeface="서울남산체 M" panose="02020503020101020101" pitchFamily="18" charset="-127"/>
+              </a:rPr>
+              <a:t>closeDestSearch</a:t>
+            </a:r>
+            <a:r>
+              <a:rPr lang="en-US" altLang="ko-KR" sz="2400" dirty="0">
+                <a:latin typeface="서울남산체 M" panose="02020503020101020101" pitchFamily="18" charset="-127"/>
+                <a:ea typeface="서울남산체 M" panose="02020503020101020101" pitchFamily="18" charset="-127"/>
+              </a:rPr>
+              <a:t>(Destination </a:t>
+            </a:r>
+            <a:r>
+              <a:rPr lang="en-US" altLang="ko-KR" sz="2400" dirty="0" err="1">
+                <a:latin typeface="서울남산체 M" panose="02020503020101020101" pitchFamily="18" charset="-127"/>
+                <a:ea typeface="서울남산체 M" panose="02020503020101020101" pitchFamily="18" charset="-127"/>
+              </a:rPr>
+              <a:t>dest</a:t>
+            </a:r>
+            <a:r>
+              <a:rPr lang="en-US" altLang="ko-KR" sz="2400" dirty="0">
+                <a:latin typeface="서울남산체 M" panose="02020503020101020101" pitchFamily="18" charset="-127"/>
+                <a:ea typeface="서울남산체 M" panose="02020503020101020101" pitchFamily="18" charset="-127"/>
+              </a:rPr>
+              <a:t>){</a:t>
+            </a:r>
+          </a:p>
+          <a:p>
+            <a:r>
+              <a:rPr lang="en-US" altLang="ko-KR" sz="2400" dirty="0">
+                <a:latin typeface="서울남산체 M" panose="02020503020101020101" pitchFamily="18" charset="-127"/>
+                <a:ea typeface="서울남산체 M" panose="02020503020101020101" pitchFamily="18" charset="-127"/>
+              </a:rPr>
               <a:t>	//</a:t>
             </a:r>
             <a:r>
-              <a:rPr lang="ko-KR" altLang="en-US" sz="2400" dirty="0"/>
-              <a:t>거리를 비교할 여행지를 </a:t>
-            </a:r>
-            <a:r>
-              <a:rPr lang="ko-KR" altLang="en-US" sz="2400" dirty="0" err="1"/>
-              <a:t>입력받는다</a:t>
-            </a:r>
-            <a:endParaRPr lang="en-US" altLang="ko-KR" sz="2400" dirty="0"/>
-          </a:p>
-          <a:p>
-            <a:r>
-              <a:rPr lang="en-US" altLang="ko-KR" sz="2400" dirty="0"/>
+              <a:rPr lang="ko-KR" altLang="en-US" sz="2400" dirty="0">
+                <a:latin typeface="서울남산체 M" panose="02020503020101020101" pitchFamily="18" charset="-127"/>
+                <a:ea typeface="서울남산체 M" panose="02020503020101020101" pitchFamily="18" charset="-127"/>
+              </a:rPr>
+              <a:t>가까운 여행지 찾기</a:t>
+            </a:r>
+            <a:r>
+              <a:rPr lang="en-US" altLang="ko-KR" sz="2400" dirty="0">
+                <a:latin typeface="서울남산체 M" panose="02020503020101020101" pitchFamily="18" charset="-127"/>
+                <a:ea typeface="서울남산체 M" panose="02020503020101020101" pitchFamily="18" charset="-127"/>
+              </a:rPr>
+              <a:t> method </a:t>
+            </a:r>
+          </a:p>
+          <a:p>
+            <a:r>
+              <a:rPr lang="en-US" altLang="ko-KR" sz="2400" dirty="0">
+                <a:latin typeface="서울남산체 M" panose="02020503020101020101" pitchFamily="18" charset="-127"/>
+                <a:ea typeface="서울남산체 M" panose="02020503020101020101" pitchFamily="18" charset="-127"/>
+              </a:rPr>
+              <a:t>	//but </a:t>
+            </a:r>
+            <a:r>
+              <a:rPr lang="ko-KR" altLang="en-US" sz="2400" dirty="0">
+                <a:latin typeface="서울남산체 M" panose="02020503020101020101" pitchFamily="18" charset="-127"/>
+                <a:ea typeface="서울남산체 M" panose="02020503020101020101" pitchFamily="18" charset="-127"/>
+              </a:rPr>
+              <a:t>가까운 곳인데 </a:t>
+            </a:r>
+            <a:r>
+              <a:rPr lang="en-US" altLang="ko-KR" sz="2400" dirty="0">
+                <a:latin typeface="서울남산체 M" panose="02020503020101020101" pitchFamily="18" charset="-127"/>
+                <a:ea typeface="서울남산체 M" panose="02020503020101020101" pitchFamily="18" charset="-127"/>
+              </a:rPr>
+              <a:t>END point </a:t>
+            </a:r>
+            <a:r>
+              <a:rPr lang="ko-KR" altLang="en-US" sz="2400" dirty="0">
+                <a:latin typeface="서울남산체 M" panose="02020503020101020101" pitchFamily="18" charset="-127"/>
+                <a:ea typeface="서울남산체 M" panose="02020503020101020101" pitchFamily="18" charset="-127"/>
+              </a:rPr>
+              <a:t>제외</a:t>
+            </a:r>
+            <a:endParaRPr lang="en-US" altLang="ko-KR" sz="2400" dirty="0">
+              <a:latin typeface="서울남산체 M" panose="02020503020101020101" pitchFamily="18" charset="-127"/>
+              <a:ea typeface="서울남산체 M" panose="02020503020101020101" pitchFamily="18" charset="-127"/>
+            </a:endParaRPr>
+          </a:p>
+          <a:p>
+            <a:r>
+              <a:rPr lang="en-US" altLang="ko-KR" sz="2400" dirty="0">
+                <a:latin typeface="서울남산체 M" panose="02020503020101020101" pitchFamily="18" charset="-127"/>
+                <a:ea typeface="서울남산체 M" panose="02020503020101020101" pitchFamily="18" charset="-127"/>
+              </a:rPr>
               <a:t>	//</a:t>
             </a:r>
             <a:r>
-              <a:rPr lang="ko-KR" altLang="en-US" sz="2400" dirty="0"/>
-              <a:t>두 여행지의 위도와 경도 정보를 이용하여</a:t>
-            </a:r>
-            <a:endParaRPr lang="en-US" altLang="ko-KR" sz="2400" dirty="0"/>
-          </a:p>
-          <a:p>
-            <a:r>
-              <a:rPr lang="en-US" altLang="ko-KR" sz="2400" dirty="0"/>
-              <a:t>	//</a:t>
-            </a:r>
-            <a:r>
-              <a:rPr lang="ko-KR" altLang="en-US" sz="2400" dirty="0"/>
-              <a:t>거리를 얻어낸다</a:t>
-            </a:r>
-            <a:endParaRPr lang="en-US" altLang="ko-KR" sz="2400" dirty="0"/>
-          </a:p>
-          <a:p>
-            <a:r>
-              <a:rPr lang="en-US" altLang="ko-KR" sz="2400" dirty="0"/>
+              <a:rPr lang="ko-KR" altLang="en-US" sz="2400" dirty="0">
+                <a:latin typeface="서울남산체 M" panose="02020503020101020101" pitchFamily="18" charset="-127"/>
+                <a:ea typeface="서울남산체 M" panose="02020503020101020101" pitchFamily="18" charset="-127"/>
+              </a:rPr>
+              <a:t>가까운 곳이지만 </a:t>
+            </a:r>
+            <a:r>
+              <a:rPr lang="en-US" altLang="ko-KR" sz="2400" dirty="0">
+                <a:latin typeface="서울남산체 M" panose="02020503020101020101" pitchFamily="18" charset="-127"/>
+                <a:ea typeface="서울남산체 M" panose="02020503020101020101" pitchFamily="18" charset="-127"/>
+              </a:rPr>
+              <a:t>END Point </a:t>
+            </a:r>
+            <a:r>
+              <a:rPr lang="ko-KR" altLang="en-US" sz="2400" dirty="0">
+                <a:latin typeface="서울남산체 M" panose="02020503020101020101" pitchFamily="18" charset="-127"/>
+                <a:ea typeface="서울남산체 M" panose="02020503020101020101" pitchFamily="18" charset="-127"/>
+              </a:rPr>
+              <a:t>근처면 나중에 방문</a:t>
+            </a:r>
+            <a:endParaRPr lang="en-US" altLang="ko-KR" sz="2400" dirty="0">
+              <a:latin typeface="서울남산체 M" panose="02020503020101020101" pitchFamily="18" charset="-127"/>
+              <a:ea typeface="서울남산체 M" panose="02020503020101020101" pitchFamily="18" charset="-127"/>
+            </a:endParaRPr>
+          </a:p>
+          <a:p>
+            <a:r>
+              <a:rPr lang="en-US" altLang="ko-KR" sz="2400" dirty="0">
+                <a:latin typeface="서울남산체 M" panose="02020503020101020101" pitchFamily="18" charset="-127"/>
+                <a:ea typeface="서울남산체 M" panose="02020503020101020101" pitchFamily="18" charset="-127"/>
+              </a:rPr>
               <a:t>}</a:t>
             </a:r>
           </a:p>
@@ -14679,7 +15237,7 @@
     </p:spTree>
     <p:extLst>
       <p:ext uri="{BB962C8B-B14F-4D97-AF65-F5344CB8AC3E}">
-        <p14:creationId xmlns:p14="http://schemas.microsoft.com/office/powerpoint/2010/main" val="325318001"/>
+        <p14:creationId xmlns:p14="http://schemas.microsoft.com/office/powerpoint/2010/main" val="532544040"/>
       </p:ext>
     </p:extLst>
   </p:cSld>
@@ -14687,7 +15245,7 @@
     <a:masterClrMapping/>
   </p:clrMapOvr>
   <p:transition spd="slow">
-    <p:wipe/>
+    <p:push dir="u"/>
   </p:transition>
 </p:sld>
 </file>
@@ -15452,7 +16010,7 @@
                 <a:latin typeface="다음_Regular" panose="02000603060000000000" pitchFamily="2" charset="-127"/>
                 <a:ea typeface="다음_Regular" panose="02000603060000000000" pitchFamily="2" charset="-127"/>
               </a:rPr>
-              <a:t>Q&amp;A</a:t>
+              <a:t>Insight</a:t>
             </a:r>
             <a:endParaRPr lang="en-US" altLang="ko-KR" dirty="0">
               <a:solidFill>
@@ -16354,6 +16912,272 @@
           </p:style>
         </p:cxnSp>
       </p:grpSp>
+      <p:grpSp>
+        <p:nvGrpSpPr>
+          <p:cNvPr id="42" name="그룹 41">
+            <a:extLst>
+              <a:ext uri="{FF2B5EF4-FFF2-40B4-BE49-F238E27FC236}">
+                <a16:creationId xmlns:a16="http://schemas.microsoft.com/office/drawing/2014/main" id="{1675651F-88F5-4590-90D7-C0F4E0010836}"/>
+              </a:ext>
+            </a:extLst>
+          </p:cNvPr>
+          <p:cNvGrpSpPr/>
+          <p:nvPr/>
+        </p:nvGrpSpPr>
+        <p:grpSpPr>
+          <a:xfrm>
+            <a:off x="6958861" y="2044692"/>
+            <a:ext cx="1728192" cy="1983802"/>
+            <a:chOff x="634935" y="1728472"/>
+            <a:chExt cx="1728192" cy="1983802"/>
+          </a:xfrm>
+        </p:grpSpPr>
+        <p:sp>
+          <p:nvSpPr>
+            <p:cNvPr id="44" name="타원 43">
+              <a:extLst>
+                <a:ext uri="{FF2B5EF4-FFF2-40B4-BE49-F238E27FC236}">
+                  <a16:creationId xmlns:a16="http://schemas.microsoft.com/office/drawing/2014/main" id="{E3671801-3EAD-4957-B585-5673E194DD41}"/>
+                </a:ext>
+              </a:extLst>
+            </p:cNvPr>
+            <p:cNvSpPr/>
+            <p:nvPr/>
+          </p:nvSpPr>
+          <p:spPr>
+            <a:xfrm>
+              <a:off x="634935" y="1984274"/>
+              <a:ext cx="1728192" cy="1728000"/>
+            </a:xfrm>
+            <a:prstGeom prst="ellipse">
+              <a:avLst/>
+            </a:prstGeom>
+            <a:solidFill>
+              <a:schemeClr val="bg1">
+                <a:lumMod val="85000"/>
+                <a:alpha val="37000"/>
+              </a:schemeClr>
+            </a:solidFill>
+            <a:ln>
+              <a:noFill/>
+            </a:ln>
+          </p:spPr>
+          <p:style>
+            <a:lnRef idx="2">
+              <a:schemeClr val="accent1">
+                <a:shade val="50000"/>
+              </a:schemeClr>
+            </a:lnRef>
+            <a:fillRef idx="1">
+              <a:schemeClr val="accent1"/>
+            </a:fillRef>
+            <a:effectRef idx="0">
+              <a:schemeClr val="accent1"/>
+            </a:effectRef>
+            <a:fontRef idx="minor">
+              <a:schemeClr val="lt1"/>
+            </a:fontRef>
+          </p:style>
+          <p:txBody>
+            <a:bodyPr rtlCol="0" anchor="ctr"/>
+            <a:lstStyle/>
+            <a:p>
+              <a:pPr algn="ctr"/>
+              <a:endParaRPr lang="ko-KR" altLang="en-US"/>
+            </a:p>
+          </p:txBody>
+        </p:sp>
+        <p:sp>
+          <p:nvSpPr>
+            <p:cNvPr id="48" name="TextBox 25">
+              <a:extLst>
+                <a:ext uri="{FF2B5EF4-FFF2-40B4-BE49-F238E27FC236}">
+                  <a16:creationId xmlns:a16="http://schemas.microsoft.com/office/drawing/2014/main" id="{E54F330F-4D18-44E8-92C6-BA7374FDEB7A}"/>
+                </a:ext>
+              </a:extLst>
+            </p:cNvPr>
+            <p:cNvSpPr txBox="1">
+              <a:spLocks noChangeArrowheads="1"/>
+            </p:cNvSpPr>
+            <p:nvPr/>
+          </p:nvSpPr>
+          <p:spPr bwMode="auto">
+            <a:xfrm>
+              <a:off x="818990" y="2200883"/>
+              <a:ext cx="1260140" cy="523220"/>
+            </a:xfrm>
+            <a:prstGeom prst="rect">
+              <a:avLst/>
+            </a:prstGeom>
+            <a:noFill/>
+            <a:ln w="9525">
+              <a:noFill/>
+              <a:miter lim="800000"/>
+              <a:headEnd/>
+              <a:tailEnd/>
+            </a:ln>
+          </p:spPr>
+          <p:txBody>
+            <a:bodyPr wrap="square">
+              <a:spAutoFit/>
+            </a:bodyPr>
+            <a:lstStyle/>
+            <a:p>
+              <a:pPr lvl="0"/>
+              <a:r>
+                <a:rPr lang="en-US" altLang="ko-KR" sz="2800" dirty="0">
+                  <a:solidFill>
+                    <a:schemeClr val="tx1">
+                      <a:lumMod val="75000"/>
+                      <a:lumOff val="25000"/>
+                    </a:schemeClr>
+                  </a:solidFill>
+                  <a:latin typeface="다음_Regular" panose="02000603060000000000" pitchFamily="2" charset="-127"/>
+                  <a:ea typeface="다음_Regular" panose="02000603060000000000" pitchFamily="2" charset="-127"/>
+                </a:rPr>
+                <a:t>#05,</a:t>
+              </a:r>
+            </a:p>
+          </p:txBody>
+        </p:sp>
+        <p:sp>
+          <p:nvSpPr>
+            <p:cNvPr id="49" name="TextBox 25">
+              <a:extLst>
+                <a:ext uri="{FF2B5EF4-FFF2-40B4-BE49-F238E27FC236}">
+                  <a16:creationId xmlns:a16="http://schemas.microsoft.com/office/drawing/2014/main" id="{4812F53C-A619-4F56-8E6E-58B2AB36890C}"/>
+                </a:ext>
+              </a:extLst>
+            </p:cNvPr>
+            <p:cNvSpPr txBox="1">
+              <a:spLocks noChangeArrowheads="1"/>
+            </p:cNvSpPr>
+            <p:nvPr/>
+          </p:nvSpPr>
+          <p:spPr bwMode="auto">
+            <a:xfrm>
+              <a:off x="816438" y="2664433"/>
+              <a:ext cx="1260140" cy="400110"/>
+            </a:xfrm>
+            <a:prstGeom prst="rect">
+              <a:avLst/>
+            </a:prstGeom>
+            <a:noFill/>
+            <a:ln w="9525">
+              <a:noFill/>
+              <a:miter lim="800000"/>
+              <a:headEnd/>
+              <a:tailEnd/>
+            </a:ln>
+          </p:spPr>
+          <p:txBody>
+            <a:bodyPr wrap="square">
+              <a:spAutoFit/>
+            </a:bodyPr>
+            <a:lstStyle/>
+            <a:p>
+              <a:pPr lvl="0"/>
+              <a:r>
+                <a:rPr lang="en-US" altLang="ko-KR" sz="2000" dirty="0">
+                  <a:solidFill>
+                    <a:prstClr val="black">
+                      <a:lumMod val="65000"/>
+                      <a:lumOff val="35000"/>
+                    </a:prstClr>
+                  </a:solidFill>
+                  <a:latin typeface="다음_Regular" panose="02000603060000000000" pitchFamily="2" charset="-127"/>
+                  <a:ea typeface="다음_Regular" panose="02000603060000000000" pitchFamily="2" charset="-127"/>
+                </a:rPr>
+                <a:t>Q&amp;A</a:t>
+              </a:r>
+            </a:p>
+          </p:txBody>
+        </p:sp>
+        <p:cxnSp>
+          <p:nvCxnSpPr>
+            <p:cNvPr id="51" name="직선 연결선 50">
+              <a:extLst>
+                <a:ext uri="{FF2B5EF4-FFF2-40B4-BE49-F238E27FC236}">
+                  <a16:creationId xmlns:a16="http://schemas.microsoft.com/office/drawing/2014/main" id="{F321C901-C04A-43C1-8E5F-94ECFAEE5BFC}"/>
+                </a:ext>
+              </a:extLst>
+            </p:cNvPr>
+            <p:cNvCxnSpPr/>
+            <p:nvPr/>
+          </p:nvCxnSpPr>
+          <p:spPr>
+            <a:xfrm>
+              <a:off x="2123766" y="3024616"/>
+              <a:ext cx="0" cy="576064"/>
+            </a:xfrm>
+            <a:prstGeom prst="line">
+              <a:avLst/>
+            </a:prstGeom>
+            <a:ln>
+              <a:solidFill>
+                <a:schemeClr val="bg1"/>
+              </a:solidFill>
+              <a:prstDash val="dash"/>
+            </a:ln>
+          </p:spPr>
+          <p:style>
+            <a:lnRef idx="1">
+              <a:schemeClr val="accent1"/>
+            </a:lnRef>
+            <a:fillRef idx="0">
+              <a:schemeClr val="accent1"/>
+            </a:fillRef>
+            <a:effectRef idx="0">
+              <a:schemeClr val="accent1"/>
+            </a:effectRef>
+            <a:fontRef idx="minor">
+              <a:schemeClr val="tx1"/>
+            </a:fontRef>
+          </p:style>
+        </p:cxnSp>
+        <p:cxnSp>
+          <p:nvCxnSpPr>
+            <p:cNvPr id="52" name="직선 연결선 51">
+              <a:extLst>
+                <a:ext uri="{FF2B5EF4-FFF2-40B4-BE49-F238E27FC236}">
+                  <a16:creationId xmlns:a16="http://schemas.microsoft.com/office/drawing/2014/main" id="{2F45ACFB-7296-4245-9FDB-F573ADAC7158}"/>
+                </a:ext>
+              </a:extLst>
+            </p:cNvPr>
+            <p:cNvCxnSpPr/>
+            <p:nvPr/>
+          </p:nvCxnSpPr>
+          <p:spPr>
+            <a:xfrm>
+              <a:off x="2123766" y="1728472"/>
+              <a:ext cx="0" cy="576064"/>
+            </a:xfrm>
+            <a:prstGeom prst="line">
+              <a:avLst/>
+            </a:prstGeom>
+            <a:ln>
+              <a:solidFill>
+                <a:schemeClr val="bg1"/>
+              </a:solidFill>
+              <a:prstDash val="dash"/>
+            </a:ln>
+          </p:spPr>
+          <p:style>
+            <a:lnRef idx="1">
+              <a:schemeClr val="accent1"/>
+            </a:lnRef>
+            <a:fillRef idx="0">
+              <a:schemeClr val="accent1"/>
+            </a:fillRef>
+            <a:effectRef idx="0">
+              <a:schemeClr val="accent1"/>
+            </a:effectRef>
+            <a:fontRef idx="minor">
+              <a:schemeClr val="tx1"/>
+            </a:fontRef>
+          </p:style>
+        </p:cxnSp>
+      </p:grpSp>
     </p:spTree>
     <p:extLst>
       <p:ext uri="{BB962C8B-B14F-4D97-AF65-F5344CB8AC3E}">
@@ -16573,51 +17397,115 @@
           <a:lstStyle/>
           <a:p>
             <a:r>
-              <a:rPr lang="en-US" altLang="ko-KR" sz="2400" dirty="0"/>
-              <a:t>Public void </a:t>
-            </a:r>
-            <a:r>
-              <a:rPr lang="en-US" altLang="ko-KR" sz="2400" dirty="0" err="1"/>
-              <a:t>printMap</a:t>
-            </a:r>
-            <a:r>
-              <a:rPr lang="en-US" altLang="ko-KR" sz="2400" dirty="0"/>
-              <a:t>(Destination[] </a:t>
-            </a:r>
-            <a:r>
-              <a:rPr lang="en-US" altLang="ko-KR" sz="2400" dirty="0" err="1"/>
+              <a:rPr lang="en-US" altLang="ko-KR" sz="2400" dirty="0">
+                <a:latin typeface="서울남산체 M" panose="02020503020101020101" pitchFamily="18" charset="-127"/>
+                <a:ea typeface="서울남산체 M" panose="02020503020101020101" pitchFamily="18" charset="-127"/>
+              </a:rPr>
+              <a:t>Public</a:t>
+            </a:r>
+            <a:r>
+              <a:rPr lang="ko-KR" altLang="en-US" sz="2400" dirty="0">
+                <a:latin typeface="서울남산체 M" panose="02020503020101020101" pitchFamily="18" charset="-127"/>
+                <a:ea typeface="서울남산체 M" panose="02020503020101020101" pitchFamily="18" charset="-127"/>
+              </a:rPr>
+              <a:t> </a:t>
+            </a:r>
+            <a:r>
+              <a:rPr lang="en-US" altLang="ko-KR" sz="2400" dirty="0">
+                <a:latin typeface="서울남산체 M" panose="02020503020101020101" pitchFamily="18" charset="-127"/>
+                <a:ea typeface="서울남산체 M" panose="02020503020101020101" pitchFamily="18" charset="-127"/>
+              </a:rPr>
+              <a:t>void</a:t>
+            </a:r>
+            <a:r>
+              <a:rPr lang="ko-KR" altLang="en-US" sz="2400" dirty="0">
+                <a:latin typeface="서울남산체 M" panose="02020503020101020101" pitchFamily="18" charset="-127"/>
+                <a:ea typeface="서울남산체 M" panose="02020503020101020101" pitchFamily="18" charset="-127"/>
+              </a:rPr>
+              <a:t> </a:t>
+            </a:r>
+            <a:r>
+              <a:rPr lang="en-US" altLang="ko-KR" sz="2400" dirty="0" err="1">
+                <a:latin typeface="서울남산체 M" panose="02020503020101020101" pitchFamily="18" charset="-127"/>
+                <a:ea typeface="서울남산체 M" panose="02020503020101020101" pitchFamily="18" charset="-127"/>
+              </a:rPr>
+              <a:t>addDestination</a:t>
+            </a:r>
+            <a:r>
+              <a:rPr lang="en-US" altLang="ko-KR" sz="2400" dirty="0">
+                <a:latin typeface="서울남산체 M" panose="02020503020101020101" pitchFamily="18" charset="-127"/>
+                <a:ea typeface="서울남산체 M" panose="02020503020101020101" pitchFamily="18" charset="-127"/>
+              </a:rPr>
+              <a:t>(Destination</a:t>
+            </a:r>
+            <a:r>
+              <a:rPr lang="ko-KR" altLang="en-US" sz="2400" dirty="0">
+                <a:latin typeface="서울남산체 M" panose="02020503020101020101" pitchFamily="18" charset="-127"/>
+                <a:ea typeface="서울남산체 M" panose="02020503020101020101" pitchFamily="18" charset="-127"/>
+              </a:rPr>
+              <a:t> </a:t>
+            </a:r>
+            <a:r>
+              <a:rPr lang="en-US" altLang="ko-KR" sz="2400" dirty="0" err="1">
+                <a:latin typeface="서울남산체 M" panose="02020503020101020101" pitchFamily="18" charset="-127"/>
+                <a:ea typeface="서울남산체 M" panose="02020503020101020101" pitchFamily="18" charset="-127"/>
+              </a:rPr>
               <a:t>dest</a:t>
             </a:r>
             <a:r>
-              <a:rPr lang="en-US" altLang="ko-KR" sz="2400" dirty="0"/>
+              <a:rPr lang="en-US" altLang="ko-KR" sz="2400" dirty="0">
+                <a:latin typeface="서울남산체 M" panose="02020503020101020101" pitchFamily="18" charset="-127"/>
+                <a:ea typeface="서울남산체 M" panose="02020503020101020101" pitchFamily="18" charset="-127"/>
+              </a:rPr>
               <a:t>){</a:t>
             </a:r>
           </a:p>
           <a:p>
             <a:r>
-              <a:rPr lang="en-US" altLang="ko-KR" sz="2400" dirty="0"/>
+              <a:rPr lang="en-US" altLang="ko-KR" sz="2400" dirty="0">
+                <a:latin typeface="서울남산체 M" panose="02020503020101020101" pitchFamily="18" charset="-127"/>
+                <a:ea typeface="서울남산체 M" panose="02020503020101020101" pitchFamily="18" charset="-127"/>
+              </a:rPr>
               <a:t>	//</a:t>
             </a:r>
             <a:r>
-              <a:rPr lang="ko-KR" altLang="en-US" sz="2400" dirty="0"/>
-              <a:t>여행지 좌표를 가지고 선을 이어서</a:t>
-            </a:r>
-            <a:endParaRPr lang="en-US" altLang="ko-KR" sz="2400" dirty="0"/>
-          </a:p>
-          <a:p>
-            <a:r>
-              <a:rPr lang="en-US" altLang="ko-KR" sz="2400" dirty="0"/>
-              <a:t>	//MAP</a:t>
-            </a:r>
-            <a:r>
-              <a:rPr lang="ko-KR" altLang="en-US" sz="2400" dirty="0"/>
-              <a:t>에 출력한다</a:t>
-            </a:r>
-            <a:endParaRPr lang="en-US" altLang="ko-KR" sz="2400" dirty="0"/>
-          </a:p>
-          <a:p>
-            <a:r>
-              <a:rPr lang="en-US" altLang="ko-KR" sz="2400" dirty="0"/>
+              <a:rPr lang="ko-KR" altLang="en-US" sz="2400" dirty="0">
+                <a:latin typeface="서울남산체 M" panose="02020503020101020101" pitchFamily="18" charset="-127"/>
+                <a:ea typeface="서울남산체 M" panose="02020503020101020101" pitchFamily="18" charset="-127"/>
+              </a:rPr>
+              <a:t>가까운 곳을 찾아서</a:t>
+            </a:r>
+            <a:endParaRPr lang="en-US" altLang="ko-KR" sz="2400" dirty="0">
+              <a:latin typeface="서울남산체 M" panose="02020503020101020101" pitchFamily="18" charset="-127"/>
+              <a:ea typeface="서울남산체 M" panose="02020503020101020101" pitchFamily="18" charset="-127"/>
+            </a:endParaRPr>
+          </a:p>
+          <a:p>
+            <a:r>
+              <a:rPr lang="en-US" altLang="ko-KR" sz="2400" dirty="0">
+                <a:latin typeface="서울남산체 M" panose="02020503020101020101" pitchFamily="18" charset="-127"/>
+                <a:ea typeface="서울남산체 M" panose="02020503020101020101" pitchFamily="18" charset="-127"/>
+              </a:rPr>
+              <a:t>	//Liked List</a:t>
+            </a:r>
+            <a:r>
+              <a:rPr lang="ko-KR" altLang="en-US" sz="2400" dirty="0">
+                <a:latin typeface="서울남산체 M" panose="02020503020101020101" pitchFamily="18" charset="-127"/>
+                <a:ea typeface="서울남산체 M" panose="02020503020101020101" pitchFamily="18" charset="-127"/>
+              </a:rPr>
+              <a:t>로 연결한다</a:t>
+            </a:r>
+            <a:endParaRPr lang="en-US" altLang="ko-KR" sz="2400" dirty="0">
+              <a:latin typeface="서울남산체 M" panose="02020503020101020101" pitchFamily="18" charset="-127"/>
+              <a:ea typeface="서울남산체 M" panose="02020503020101020101" pitchFamily="18" charset="-127"/>
+            </a:endParaRPr>
+          </a:p>
+          <a:p>
+            <a:r>
+              <a:rPr lang="en-US" altLang="ko-KR" sz="2400" dirty="0">
+                <a:latin typeface="서울남산체 M" panose="02020503020101020101" pitchFamily="18" charset="-127"/>
+                <a:ea typeface="서울남산체 M" panose="02020503020101020101" pitchFamily="18" charset="-127"/>
+              </a:rPr>
               <a:t>}</a:t>
             </a:r>
           </a:p>
@@ -16941,6 +17829,626 @@
     </p:spTree>
     <p:extLst>
       <p:ext uri="{BB962C8B-B14F-4D97-AF65-F5344CB8AC3E}">
+        <p14:creationId xmlns:p14="http://schemas.microsoft.com/office/powerpoint/2010/main" val="2623172195"/>
+      </p:ext>
+    </p:extLst>
+  </p:cSld>
+  <p:clrMapOvr>
+    <a:masterClrMapping/>
+  </p:clrMapOvr>
+  <p:transition spd="slow">
+    <p:wipe/>
+  </p:transition>
+</p:sld>
+</file>
+
+<file path=ppt/slides/slide21.xml><?xml version="1.0" encoding="utf-8"?>
+<p:sld xmlns:a="http://schemas.openxmlformats.org/drawingml/2006/main" xmlns:r="http://schemas.openxmlformats.org/officeDocument/2006/relationships" xmlns:p="http://schemas.openxmlformats.org/presentationml/2006/main">
+  <p:cSld>
+    <p:spTree>
+      <p:nvGrpSpPr>
+        <p:cNvPr id="1" name=""/>
+        <p:cNvGrpSpPr/>
+        <p:nvPr/>
+      </p:nvGrpSpPr>
+      <p:grpSpPr>
+        <a:xfrm>
+          <a:off x="0" y="0"/>
+          <a:ext cx="0" cy="0"/>
+          <a:chOff x="0" y="0"/>
+          <a:chExt cx="0" cy="0"/>
+        </a:xfrm>
+      </p:grpSpPr>
+      <p:cxnSp>
+        <p:nvCxnSpPr>
+          <p:cNvPr id="13" name="직선 연결선 12"/>
+          <p:cNvCxnSpPr/>
+          <p:nvPr/>
+        </p:nvCxnSpPr>
+        <p:spPr>
+          <a:xfrm flipV="1">
+            <a:off x="330632" y="908650"/>
+            <a:ext cx="8414750" cy="21407"/>
+          </a:xfrm>
+          <a:prstGeom prst="line">
+            <a:avLst/>
+          </a:prstGeom>
+          <a:ln w="38100">
+            <a:solidFill>
+              <a:schemeClr val="tx2">
+                <a:lumMod val="60000"/>
+                <a:lumOff val="40000"/>
+              </a:schemeClr>
+            </a:solidFill>
+          </a:ln>
+        </p:spPr>
+        <p:style>
+          <a:lnRef idx="1">
+            <a:schemeClr val="accent1"/>
+          </a:lnRef>
+          <a:fillRef idx="0">
+            <a:schemeClr val="accent1"/>
+          </a:fillRef>
+          <a:effectRef idx="0">
+            <a:schemeClr val="accent1"/>
+          </a:effectRef>
+          <a:fontRef idx="minor">
+            <a:schemeClr val="tx1"/>
+          </a:fontRef>
+        </p:style>
+      </p:cxnSp>
+      <p:grpSp>
+        <p:nvGrpSpPr>
+          <p:cNvPr id="20" name="그룹 19"/>
+          <p:cNvGrpSpPr/>
+          <p:nvPr/>
+        </p:nvGrpSpPr>
+        <p:grpSpPr>
+          <a:xfrm>
+            <a:off x="365027" y="377189"/>
+            <a:ext cx="2072209" cy="523220"/>
+            <a:chOff x="365027" y="377189"/>
+            <a:chExt cx="2072209" cy="523220"/>
+          </a:xfrm>
+        </p:grpSpPr>
+        <p:sp>
+          <p:nvSpPr>
+            <p:cNvPr id="21" name="TextBox 20"/>
+            <p:cNvSpPr txBox="1"/>
+            <p:nvPr/>
+          </p:nvSpPr>
+          <p:spPr>
+            <a:xfrm>
+              <a:off x="365027" y="430503"/>
+              <a:ext cx="710451" cy="461665"/>
+            </a:xfrm>
+            <a:prstGeom prst="rect">
+              <a:avLst/>
+            </a:prstGeom>
+            <a:noFill/>
+            <a:ln>
+              <a:noFill/>
+            </a:ln>
+            <a:effectLst>
+              <a:outerShdw blurRad="50800" dist="50800" dir="5400000" sx="1000" sy="1000" algn="ctr" rotWithShape="0">
+                <a:srgbClr val="000000"/>
+              </a:outerShdw>
+            </a:effectLst>
+          </p:spPr>
+          <p:txBody>
+            <a:bodyPr wrap="none" rtlCol="0">
+              <a:spAutoFit/>
+            </a:bodyPr>
+            <a:lstStyle/>
+            <a:p>
+              <a:r>
+                <a:rPr lang="en-US" altLang="ko-KR" sz="2400" dirty="0">
+                  <a:solidFill>
+                    <a:schemeClr val="tx1">
+                      <a:lumMod val="65000"/>
+                      <a:lumOff val="35000"/>
+                    </a:schemeClr>
+                  </a:solidFill>
+                  <a:latin typeface="Noto Sans CJK SC Bold" pitchFamily="34" charset="-127"/>
+                  <a:ea typeface="Noto Sans CJK SC Bold" pitchFamily="34" charset="-127"/>
+                </a:rPr>
+                <a:t>#03</a:t>
+              </a:r>
+              <a:endParaRPr lang="ko-KR" altLang="en-US" sz="2400" dirty="0">
+                <a:solidFill>
+                  <a:schemeClr val="tx1">
+                    <a:lumMod val="65000"/>
+                    <a:lumOff val="35000"/>
+                  </a:schemeClr>
+                </a:solidFill>
+                <a:latin typeface="Noto Sans CJK SC Bold" pitchFamily="34" charset="-127"/>
+                <a:ea typeface="Noto Sans CJK SC Bold" pitchFamily="34" charset="-127"/>
+              </a:endParaRPr>
+            </a:p>
+          </p:txBody>
+        </p:sp>
+        <p:sp>
+          <p:nvSpPr>
+            <p:cNvPr id="22" name="TextBox 21"/>
+            <p:cNvSpPr txBox="1"/>
+            <p:nvPr/>
+          </p:nvSpPr>
+          <p:spPr>
+            <a:xfrm>
+              <a:off x="1069046" y="377189"/>
+              <a:ext cx="1368190" cy="523220"/>
+            </a:xfrm>
+            <a:prstGeom prst="rect">
+              <a:avLst/>
+            </a:prstGeom>
+            <a:noFill/>
+          </p:spPr>
+          <p:txBody>
+            <a:bodyPr wrap="square" rtlCol="0">
+              <a:spAutoFit/>
+            </a:bodyPr>
+            <a:lstStyle/>
+            <a:p>
+              <a:r>
+                <a:rPr lang="ko-KR" altLang="en-US" sz="2800" dirty="0">
+                  <a:solidFill>
+                    <a:schemeClr val="tx1">
+                      <a:lumMod val="65000"/>
+                      <a:lumOff val="35000"/>
+                    </a:schemeClr>
+                  </a:solidFill>
+                  <a:latin typeface="다음_Regular" panose="02000603060000000000" pitchFamily="2" charset="-127"/>
+                  <a:ea typeface="다음_Regular" panose="02000603060000000000" pitchFamily="2" charset="-127"/>
+                </a:rPr>
+                <a:t>모델링</a:t>
+              </a:r>
+              <a:endParaRPr lang="en-US" altLang="ko-KR" sz="2800" dirty="0">
+                <a:solidFill>
+                  <a:schemeClr val="tx1">
+                    <a:lumMod val="65000"/>
+                    <a:lumOff val="35000"/>
+                  </a:schemeClr>
+                </a:solidFill>
+                <a:latin typeface="다음_Regular" panose="02000603060000000000" pitchFamily="2" charset="-127"/>
+                <a:ea typeface="다음_Regular" panose="02000603060000000000" pitchFamily="2" charset="-127"/>
+              </a:endParaRPr>
+            </a:p>
+          </p:txBody>
+        </p:sp>
+      </p:grpSp>
+      <p:sp>
+        <p:nvSpPr>
+          <p:cNvPr id="2" name="TextBox 1">
+            <a:extLst>
+              <a:ext uri="{FF2B5EF4-FFF2-40B4-BE49-F238E27FC236}">
+                <a16:creationId xmlns:a16="http://schemas.microsoft.com/office/drawing/2014/main" id="{BAB49933-5BC0-4FDB-8A0F-9D63027F7C73}"/>
+              </a:ext>
+            </a:extLst>
+          </p:cNvPr>
+          <p:cNvSpPr txBox="1"/>
+          <p:nvPr/>
+        </p:nvSpPr>
+        <p:spPr>
+          <a:xfrm>
+            <a:off x="720252" y="2199103"/>
+            <a:ext cx="9103654" cy="1569660"/>
+          </a:xfrm>
+          <a:prstGeom prst="rect">
+            <a:avLst/>
+          </a:prstGeom>
+          <a:noFill/>
+        </p:spPr>
+        <p:txBody>
+          <a:bodyPr wrap="square" rtlCol="0">
+            <a:spAutoFit/>
+          </a:bodyPr>
+          <a:lstStyle/>
+          <a:p>
+            <a:r>
+              <a:rPr lang="en-US" altLang="ko-KR" sz="2400" dirty="0">
+                <a:latin typeface="서울남산체 M" panose="02020503020101020101" pitchFamily="18" charset="-127"/>
+                <a:ea typeface="서울남산체 M" panose="02020503020101020101" pitchFamily="18" charset="-127"/>
+              </a:rPr>
+              <a:t>Public void </a:t>
+            </a:r>
+            <a:r>
+              <a:rPr lang="en-US" altLang="ko-KR" sz="2400" dirty="0" err="1">
+                <a:latin typeface="서울남산체 M" panose="02020503020101020101" pitchFamily="18" charset="-127"/>
+                <a:ea typeface="서울남산체 M" panose="02020503020101020101" pitchFamily="18" charset="-127"/>
+              </a:rPr>
+              <a:t>printMap</a:t>
+            </a:r>
+            <a:r>
+              <a:rPr lang="en-US" altLang="ko-KR" sz="2400" dirty="0">
+                <a:latin typeface="서울남산체 M" panose="02020503020101020101" pitchFamily="18" charset="-127"/>
+                <a:ea typeface="서울남산체 M" panose="02020503020101020101" pitchFamily="18" charset="-127"/>
+              </a:rPr>
+              <a:t>(Destination[] </a:t>
+            </a:r>
+            <a:r>
+              <a:rPr lang="en-US" altLang="ko-KR" sz="2400" dirty="0" err="1">
+                <a:latin typeface="서울남산체 M" panose="02020503020101020101" pitchFamily="18" charset="-127"/>
+                <a:ea typeface="서울남산체 M" panose="02020503020101020101" pitchFamily="18" charset="-127"/>
+              </a:rPr>
+              <a:t>dest</a:t>
+            </a:r>
+            <a:r>
+              <a:rPr lang="en-US" altLang="ko-KR" sz="2400" dirty="0">
+                <a:latin typeface="서울남산체 M" panose="02020503020101020101" pitchFamily="18" charset="-127"/>
+                <a:ea typeface="서울남산체 M" panose="02020503020101020101" pitchFamily="18" charset="-127"/>
+              </a:rPr>
+              <a:t>){</a:t>
+            </a:r>
+          </a:p>
+          <a:p>
+            <a:r>
+              <a:rPr lang="en-US" altLang="ko-KR" sz="2400" dirty="0">
+                <a:latin typeface="서울남산체 M" panose="02020503020101020101" pitchFamily="18" charset="-127"/>
+                <a:ea typeface="서울남산체 M" panose="02020503020101020101" pitchFamily="18" charset="-127"/>
+              </a:rPr>
+              <a:t>	//</a:t>
+            </a:r>
+            <a:r>
+              <a:rPr lang="ko-KR" altLang="en-US" sz="2400" dirty="0">
+                <a:latin typeface="서울남산체 M" panose="02020503020101020101" pitchFamily="18" charset="-127"/>
+                <a:ea typeface="서울남산체 M" panose="02020503020101020101" pitchFamily="18" charset="-127"/>
+              </a:rPr>
+              <a:t>여행지 좌표를 가지고 선을 이어서</a:t>
+            </a:r>
+            <a:endParaRPr lang="en-US" altLang="ko-KR" sz="2400" dirty="0">
+              <a:latin typeface="서울남산체 M" panose="02020503020101020101" pitchFamily="18" charset="-127"/>
+              <a:ea typeface="서울남산체 M" panose="02020503020101020101" pitchFamily="18" charset="-127"/>
+            </a:endParaRPr>
+          </a:p>
+          <a:p>
+            <a:r>
+              <a:rPr lang="en-US" altLang="ko-KR" sz="2400" dirty="0">
+                <a:latin typeface="서울남산체 M" panose="02020503020101020101" pitchFamily="18" charset="-127"/>
+                <a:ea typeface="서울남산체 M" panose="02020503020101020101" pitchFamily="18" charset="-127"/>
+              </a:rPr>
+              <a:t>	//MAP</a:t>
+            </a:r>
+            <a:r>
+              <a:rPr lang="ko-KR" altLang="en-US" sz="2400" dirty="0">
+                <a:latin typeface="서울남산체 M" panose="02020503020101020101" pitchFamily="18" charset="-127"/>
+                <a:ea typeface="서울남산체 M" panose="02020503020101020101" pitchFamily="18" charset="-127"/>
+              </a:rPr>
+              <a:t>에 출력한다</a:t>
+            </a:r>
+            <a:endParaRPr lang="en-US" altLang="ko-KR" sz="2400" dirty="0">
+              <a:latin typeface="서울남산체 M" panose="02020503020101020101" pitchFamily="18" charset="-127"/>
+              <a:ea typeface="서울남산체 M" panose="02020503020101020101" pitchFamily="18" charset="-127"/>
+            </a:endParaRPr>
+          </a:p>
+          <a:p>
+            <a:r>
+              <a:rPr lang="en-US" altLang="ko-KR" sz="2400" dirty="0">
+                <a:latin typeface="서울남산체 M" panose="02020503020101020101" pitchFamily="18" charset="-127"/>
+                <a:ea typeface="서울남산체 M" panose="02020503020101020101" pitchFamily="18" charset="-127"/>
+              </a:rPr>
+              <a:t>}</a:t>
+            </a:r>
+          </a:p>
+        </p:txBody>
+      </p:sp>
+      <p:grpSp>
+        <p:nvGrpSpPr>
+          <p:cNvPr id="7" name="그룹 6">
+            <a:extLst>
+              <a:ext uri="{FF2B5EF4-FFF2-40B4-BE49-F238E27FC236}">
+                <a16:creationId xmlns:a16="http://schemas.microsoft.com/office/drawing/2014/main" id="{FCD49814-2851-49D0-B8C5-8BC3B5399C52}"/>
+              </a:ext>
+            </a:extLst>
+          </p:cNvPr>
+          <p:cNvGrpSpPr/>
+          <p:nvPr/>
+        </p:nvGrpSpPr>
+        <p:grpSpPr>
+          <a:xfrm>
+            <a:off x="330632" y="1131919"/>
+            <a:ext cx="5258233" cy="853494"/>
+            <a:chOff x="760872" y="1093675"/>
+            <a:chExt cx="5258233" cy="853494"/>
+          </a:xfrm>
+        </p:grpSpPr>
+        <p:sp>
+          <p:nvSpPr>
+            <p:cNvPr id="8" name="타원 7">
+              <a:extLst>
+                <a:ext uri="{FF2B5EF4-FFF2-40B4-BE49-F238E27FC236}">
+                  <a16:creationId xmlns:a16="http://schemas.microsoft.com/office/drawing/2014/main" id="{E6038F3A-4486-448A-A16F-275103148122}"/>
+                </a:ext>
+              </a:extLst>
+            </p:cNvPr>
+            <p:cNvSpPr/>
+            <p:nvPr/>
+          </p:nvSpPr>
+          <p:spPr>
+            <a:xfrm>
+              <a:off x="760872" y="1093675"/>
+              <a:ext cx="808784" cy="798465"/>
+            </a:xfrm>
+            <a:prstGeom prst="ellipse">
+              <a:avLst/>
+            </a:prstGeom>
+            <a:solidFill>
+              <a:schemeClr val="tx2">
+                <a:lumMod val="60000"/>
+                <a:lumOff val="40000"/>
+                <a:alpha val="23000"/>
+              </a:schemeClr>
+            </a:solidFill>
+            <a:ln>
+              <a:noFill/>
+            </a:ln>
+          </p:spPr>
+          <p:style>
+            <a:lnRef idx="2">
+              <a:schemeClr val="accent1">
+                <a:shade val="50000"/>
+              </a:schemeClr>
+            </a:lnRef>
+            <a:fillRef idx="1">
+              <a:schemeClr val="accent1"/>
+            </a:fillRef>
+            <a:effectRef idx="0">
+              <a:schemeClr val="accent1"/>
+            </a:effectRef>
+            <a:fontRef idx="minor">
+              <a:schemeClr val="lt1"/>
+            </a:fontRef>
+          </p:style>
+          <p:txBody>
+            <a:bodyPr rtlCol="0" anchor="ctr"/>
+            <a:lstStyle>
+              <a:defPPr>
+                <a:defRPr lang="ko-KR"/>
+              </a:defPPr>
+              <a:lvl1pPr marL="0" algn="l" defTabSz="914400" rtl="0" eaLnBrk="1" latinLnBrk="1" hangingPunct="1">
+                <a:defRPr sz="1800" kern="1200">
+                  <a:solidFill>
+                    <a:schemeClr val="lt1"/>
+                  </a:solidFill>
+                  <a:latin typeface="+mn-lt"/>
+                  <a:ea typeface="+mn-ea"/>
+                  <a:cs typeface="+mn-cs"/>
+                </a:defRPr>
+              </a:lvl1pPr>
+              <a:lvl2pPr marL="457200" algn="l" defTabSz="914400" rtl="0" eaLnBrk="1" latinLnBrk="1" hangingPunct="1">
+                <a:defRPr sz="1800" kern="1200">
+                  <a:solidFill>
+                    <a:schemeClr val="lt1"/>
+                  </a:solidFill>
+                  <a:latin typeface="+mn-lt"/>
+                  <a:ea typeface="+mn-ea"/>
+                  <a:cs typeface="+mn-cs"/>
+                </a:defRPr>
+              </a:lvl2pPr>
+              <a:lvl3pPr marL="914400" algn="l" defTabSz="914400" rtl="0" eaLnBrk="1" latinLnBrk="1" hangingPunct="1">
+                <a:defRPr sz="1800" kern="1200">
+                  <a:solidFill>
+                    <a:schemeClr val="lt1"/>
+                  </a:solidFill>
+                  <a:latin typeface="+mn-lt"/>
+                  <a:ea typeface="+mn-ea"/>
+                  <a:cs typeface="+mn-cs"/>
+                </a:defRPr>
+              </a:lvl3pPr>
+              <a:lvl4pPr marL="1371600" algn="l" defTabSz="914400" rtl="0" eaLnBrk="1" latinLnBrk="1" hangingPunct="1">
+                <a:defRPr sz="1800" kern="1200">
+                  <a:solidFill>
+                    <a:schemeClr val="lt1"/>
+                  </a:solidFill>
+                  <a:latin typeface="+mn-lt"/>
+                  <a:ea typeface="+mn-ea"/>
+                  <a:cs typeface="+mn-cs"/>
+                </a:defRPr>
+              </a:lvl4pPr>
+              <a:lvl5pPr marL="1828800" algn="l" defTabSz="914400" rtl="0" eaLnBrk="1" latinLnBrk="1" hangingPunct="1">
+                <a:defRPr sz="1800" kern="1200">
+                  <a:solidFill>
+                    <a:schemeClr val="lt1"/>
+                  </a:solidFill>
+                  <a:latin typeface="+mn-lt"/>
+                  <a:ea typeface="+mn-ea"/>
+                  <a:cs typeface="+mn-cs"/>
+                </a:defRPr>
+              </a:lvl5pPr>
+              <a:lvl6pPr marL="2286000" algn="l" defTabSz="914400" rtl="0" eaLnBrk="1" latinLnBrk="1" hangingPunct="1">
+                <a:defRPr sz="1800" kern="1200">
+                  <a:solidFill>
+                    <a:schemeClr val="lt1"/>
+                  </a:solidFill>
+                  <a:latin typeface="+mn-lt"/>
+                  <a:ea typeface="+mn-ea"/>
+                  <a:cs typeface="+mn-cs"/>
+                </a:defRPr>
+              </a:lvl6pPr>
+              <a:lvl7pPr marL="2743200" algn="l" defTabSz="914400" rtl="0" eaLnBrk="1" latinLnBrk="1" hangingPunct="1">
+                <a:defRPr sz="1800" kern="1200">
+                  <a:solidFill>
+                    <a:schemeClr val="lt1"/>
+                  </a:solidFill>
+                  <a:latin typeface="+mn-lt"/>
+                  <a:ea typeface="+mn-ea"/>
+                  <a:cs typeface="+mn-cs"/>
+                </a:defRPr>
+              </a:lvl7pPr>
+              <a:lvl8pPr marL="3200400" algn="l" defTabSz="914400" rtl="0" eaLnBrk="1" latinLnBrk="1" hangingPunct="1">
+                <a:defRPr sz="1800" kern="1200">
+                  <a:solidFill>
+                    <a:schemeClr val="lt1"/>
+                  </a:solidFill>
+                  <a:latin typeface="+mn-lt"/>
+                  <a:ea typeface="+mn-ea"/>
+                  <a:cs typeface="+mn-cs"/>
+                </a:defRPr>
+              </a:lvl8pPr>
+              <a:lvl9pPr marL="3657600" algn="l" defTabSz="914400" rtl="0" eaLnBrk="1" latinLnBrk="1" hangingPunct="1">
+                <a:defRPr sz="1800" kern="1200">
+                  <a:solidFill>
+                    <a:schemeClr val="lt1"/>
+                  </a:solidFill>
+                  <a:latin typeface="+mn-lt"/>
+                  <a:ea typeface="+mn-ea"/>
+                  <a:cs typeface="+mn-cs"/>
+                </a:defRPr>
+              </a:lvl9pPr>
+            </a:lstStyle>
+            <a:p>
+              <a:pPr algn="ctr"/>
+              <a:endParaRPr lang="ko-KR" altLang="en-US" dirty="0"/>
+            </a:p>
+          </p:txBody>
+        </p:sp>
+        <p:sp>
+          <p:nvSpPr>
+            <p:cNvPr id="9" name="TextBox 25">
+              <a:extLst>
+                <a:ext uri="{FF2B5EF4-FFF2-40B4-BE49-F238E27FC236}">
+                  <a16:creationId xmlns:a16="http://schemas.microsoft.com/office/drawing/2014/main" id="{41D01FE3-B55B-4023-BCD5-9F3A072845E2}"/>
+                </a:ext>
+              </a:extLst>
+            </p:cNvPr>
+            <p:cNvSpPr txBox="1">
+              <a:spLocks noChangeArrowheads="1"/>
+            </p:cNvSpPr>
+            <p:nvPr/>
+          </p:nvSpPr>
+          <p:spPr bwMode="auto">
+            <a:xfrm>
+              <a:off x="1259540" y="1362394"/>
+              <a:ext cx="4759565" cy="584775"/>
+            </a:xfrm>
+            <a:prstGeom prst="rect">
+              <a:avLst/>
+            </a:prstGeom>
+            <a:noFill/>
+            <a:ln w="9525">
+              <a:noFill/>
+              <a:miter lim="800000"/>
+              <a:headEnd/>
+              <a:tailEnd/>
+            </a:ln>
+          </p:spPr>
+          <p:txBody>
+            <a:bodyPr wrap="square">
+              <a:spAutoFit/>
+            </a:bodyPr>
+            <a:lstStyle>
+              <a:defPPr>
+                <a:defRPr lang="ko-KR"/>
+              </a:defPPr>
+              <a:lvl1pPr marL="0" algn="l" defTabSz="914400" rtl="0" eaLnBrk="1" latinLnBrk="1" hangingPunct="1">
+                <a:defRPr sz="1800" kern="1200">
+                  <a:solidFill>
+                    <a:schemeClr val="tx1"/>
+                  </a:solidFill>
+                  <a:latin typeface="+mn-lt"/>
+                  <a:ea typeface="+mn-ea"/>
+                  <a:cs typeface="+mn-cs"/>
+                </a:defRPr>
+              </a:lvl1pPr>
+              <a:lvl2pPr marL="457200" algn="l" defTabSz="914400" rtl="0" eaLnBrk="1" latinLnBrk="1" hangingPunct="1">
+                <a:defRPr sz="1800" kern="1200">
+                  <a:solidFill>
+                    <a:schemeClr val="tx1"/>
+                  </a:solidFill>
+                  <a:latin typeface="+mn-lt"/>
+                  <a:ea typeface="+mn-ea"/>
+                  <a:cs typeface="+mn-cs"/>
+                </a:defRPr>
+              </a:lvl2pPr>
+              <a:lvl3pPr marL="914400" algn="l" defTabSz="914400" rtl="0" eaLnBrk="1" latinLnBrk="1" hangingPunct="1">
+                <a:defRPr sz="1800" kern="1200">
+                  <a:solidFill>
+                    <a:schemeClr val="tx1"/>
+                  </a:solidFill>
+                  <a:latin typeface="+mn-lt"/>
+                  <a:ea typeface="+mn-ea"/>
+                  <a:cs typeface="+mn-cs"/>
+                </a:defRPr>
+              </a:lvl3pPr>
+              <a:lvl4pPr marL="1371600" algn="l" defTabSz="914400" rtl="0" eaLnBrk="1" latinLnBrk="1" hangingPunct="1">
+                <a:defRPr sz="1800" kern="1200">
+                  <a:solidFill>
+                    <a:schemeClr val="tx1"/>
+                  </a:solidFill>
+                  <a:latin typeface="+mn-lt"/>
+                  <a:ea typeface="+mn-ea"/>
+                  <a:cs typeface="+mn-cs"/>
+                </a:defRPr>
+              </a:lvl4pPr>
+              <a:lvl5pPr marL="1828800" algn="l" defTabSz="914400" rtl="0" eaLnBrk="1" latinLnBrk="1" hangingPunct="1">
+                <a:defRPr sz="1800" kern="1200">
+                  <a:solidFill>
+                    <a:schemeClr val="tx1"/>
+                  </a:solidFill>
+                  <a:latin typeface="+mn-lt"/>
+                  <a:ea typeface="+mn-ea"/>
+                  <a:cs typeface="+mn-cs"/>
+                </a:defRPr>
+              </a:lvl5pPr>
+              <a:lvl6pPr marL="2286000" algn="l" defTabSz="914400" rtl="0" eaLnBrk="1" latinLnBrk="1" hangingPunct="1">
+                <a:defRPr sz="1800" kern="1200">
+                  <a:solidFill>
+                    <a:schemeClr val="tx1"/>
+                  </a:solidFill>
+                  <a:latin typeface="+mn-lt"/>
+                  <a:ea typeface="+mn-ea"/>
+                  <a:cs typeface="+mn-cs"/>
+                </a:defRPr>
+              </a:lvl6pPr>
+              <a:lvl7pPr marL="2743200" algn="l" defTabSz="914400" rtl="0" eaLnBrk="1" latinLnBrk="1" hangingPunct="1">
+                <a:defRPr sz="1800" kern="1200">
+                  <a:solidFill>
+                    <a:schemeClr val="tx1"/>
+                  </a:solidFill>
+                  <a:latin typeface="+mn-lt"/>
+                  <a:ea typeface="+mn-ea"/>
+                  <a:cs typeface="+mn-cs"/>
+                </a:defRPr>
+              </a:lvl7pPr>
+              <a:lvl8pPr marL="3200400" algn="l" defTabSz="914400" rtl="0" eaLnBrk="1" latinLnBrk="1" hangingPunct="1">
+                <a:defRPr sz="1800" kern="1200">
+                  <a:solidFill>
+                    <a:schemeClr val="tx1"/>
+                  </a:solidFill>
+                  <a:latin typeface="+mn-lt"/>
+                  <a:ea typeface="+mn-ea"/>
+                  <a:cs typeface="+mn-cs"/>
+                </a:defRPr>
+              </a:lvl8pPr>
+              <a:lvl9pPr marL="3657600" algn="l" defTabSz="914400" rtl="0" eaLnBrk="1" latinLnBrk="1" hangingPunct="1">
+                <a:defRPr sz="1800" kern="1200">
+                  <a:solidFill>
+                    <a:schemeClr val="tx1"/>
+                  </a:solidFill>
+                  <a:latin typeface="+mn-lt"/>
+                  <a:ea typeface="+mn-ea"/>
+                  <a:cs typeface="+mn-cs"/>
+                </a:defRPr>
+              </a:lvl9pPr>
+            </a:lstStyle>
+            <a:p>
+              <a:pPr lvl="0"/>
+              <a:r>
+                <a:rPr lang="en-US" altLang="ko-KR" sz="3200" b="1" dirty="0">
+                  <a:solidFill>
+                    <a:srgbClr val="4C93C7"/>
+                  </a:solidFill>
+                  <a:latin typeface="다음_Regular" panose="02000603060000000000" pitchFamily="2" charset="-127"/>
+                  <a:ea typeface="다음_Regular" panose="02000603060000000000" pitchFamily="2" charset="-127"/>
+                </a:rPr>
+                <a:t>Method 8</a:t>
+              </a:r>
+            </a:p>
+          </p:txBody>
+        </p:sp>
+      </p:grpSp>
+    </p:spTree>
+    <p:extLst>
+      <p:ext uri="{BB962C8B-B14F-4D97-AF65-F5344CB8AC3E}">
         <p14:creationId xmlns:p14="http://schemas.microsoft.com/office/powerpoint/2010/main" val="669283330"/>
       </p:ext>
     </p:extLst>
@@ -16954,7 +18462,7 @@
 </p:sld>
 </file>
 
-<file path=ppt/slides/slide21.xml><?xml version="1.0" encoding="utf-8"?>
+<file path=ppt/slides/slide22.xml><?xml version="1.0" encoding="utf-8"?>
 <p:sld xmlns:a="http://schemas.openxmlformats.org/drawingml/2006/main" xmlns:r="http://schemas.openxmlformats.org/officeDocument/2006/relationships" xmlns:p="http://schemas.openxmlformats.org/presentationml/2006/main">
   <p:cSld>
     <p:spTree>
@@ -17113,6 +18621,1074 @@
             <a:p>
               <a:pPr lvl="0" algn="ctr"/>
               <a:r>
+                <a:rPr lang="en-US" altLang="ko-KR" sz="3600" dirty="0">
+                  <a:solidFill>
+                    <a:prstClr val="black">
+                      <a:lumMod val="65000"/>
+                      <a:lumOff val="35000"/>
+                    </a:prstClr>
+                  </a:solidFill>
+                  <a:latin typeface="다음_Regular" panose="02000603060000000000" pitchFamily="2" charset="-127"/>
+                  <a:ea typeface="다음_Regular" panose="02000603060000000000" pitchFamily="2" charset="-127"/>
+                </a:rPr>
+                <a:t>Insight</a:t>
+              </a:r>
+            </a:p>
+          </p:txBody>
+        </p:sp>
+      </p:grpSp>
+    </p:spTree>
+    <p:extLst>
+      <p:ext uri="{BB962C8B-B14F-4D97-AF65-F5344CB8AC3E}">
+        <p14:creationId xmlns:p14="http://schemas.microsoft.com/office/powerpoint/2010/main" val="1630089292"/>
+      </p:ext>
+    </p:extLst>
+  </p:cSld>
+  <p:clrMapOvr>
+    <a:masterClrMapping/>
+  </p:clrMapOvr>
+  <p:transition spd="slow">
+    <p:wipe/>
+  </p:transition>
+</p:sld>
+</file>
+
+<file path=ppt/slides/slide23.xml><?xml version="1.0" encoding="utf-8"?>
+<p:sld xmlns:a="http://schemas.openxmlformats.org/drawingml/2006/main" xmlns:r="http://schemas.openxmlformats.org/officeDocument/2006/relationships" xmlns:p="http://schemas.openxmlformats.org/presentationml/2006/main">
+  <p:cSld>
+    <p:spTree>
+      <p:nvGrpSpPr>
+        <p:cNvPr id="1" name=""/>
+        <p:cNvGrpSpPr/>
+        <p:nvPr/>
+      </p:nvGrpSpPr>
+      <p:grpSpPr>
+        <a:xfrm>
+          <a:off x="0" y="0"/>
+          <a:ext cx="0" cy="0"/>
+          <a:chOff x="0" y="0"/>
+          <a:chExt cx="0" cy="0"/>
+        </a:xfrm>
+      </p:grpSpPr>
+      <p:cxnSp>
+        <p:nvCxnSpPr>
+          <p:cNvPr id="13" name="직선 연결선 12"/>
+          <p:cNvCxnSpPr/>
+          <p:nvPr/>
+        </p:nvCxnSpPr>
+        <p:spPr>
+          <a:xfrm flipV="1">
+            <a:off x="330632" y="908650"/>
+            <a:ext cx="8414750" cy="21407"/>
+          </a:xfrm>
+          <a:prstGeom prst="line">
+            <a:avLst/>
+          </a:prstGeom>
+          <a:ln w="38100">
+            <a:solidFill>
+              <a:schemeClr val="tx2">
+                <a:lumMod val="60000"/>
+                <a:lumOff val="40000"/>
+              </a:schemeClr>
+            </a:solidFill>
+          </a:ln>
+        </p:spPr>
+        <p:style>
+          <a:lnRef idx="1">
+            <a:schemeClr val="accent1"/>
+          </a:lnRef>
+          <a:fillRef idx="0">
+            <a:schemeClr val="accent1"/>
+          </a:fillRef>
+          <a:effectRef idx="0">
+            <a:schemeClr val="accent1"/>
+          </a:effectRef>
+          <a:fontRef idx="minor">
+            <a:schemeClr val="tx1"/>
+          </a:fontRef>
+        </p:style>
+      </p:cxnSp>
+      <p:grpSp>
+        <p:nvGrpSpPr>
+          <p:cNvPr id="20" name="그룹 19"/>
+          <p:cNvGrpSpPr/>
+          <p:nvPr/>
+        </p:nvGrpSpPr>
+        <p:grpSpPr>
+          <a:xfrm>
+            <a:off x="365027" y="377189"/>
+            <a:ext cx="2072209" cy="523220"/>
+            <a:chOff x="365027" y="377189"/>
+            <a:chExt cx="2072209" cy="523220"/>
+          </a:xfrm>
+        </p:grpSpPr>
+        <p:sp>
+          <p:nvSpPr>
+            <p:cNvPr id="21" name="TextBox 20"/>
+            <p:cNvSpPr txBox="1"/>
+            <p:nvPr/>
+          </p:nvSpPr>
+          <p:spPr>
+            <a:xfrm>
+              <a:off x="365027" y="430503"/>
+              <a:ext cx="710451" cy="461665"/>
+            </a:xfrm>
+            <a:prstGeom prst="rect">
+              <a:avLst/>
+            </a:prstGeom>
+            <a:noFill/>
+            <a:ln>
+              <a:noFill/>
+            </a:ln>
+            <a:effectLst>
+              <a:outerShdw blurRad="50800" dist="50800" dir="5400000" sx="1000" sy="1000" algn="ctr" rotWithShape="0">
+                <a:srgbClr val="000000"/>
+              </a:outerShdw>
+            </a:effectLst>
+          </p:spPr>
+          <p:txBody>
+            <a:bodyPr wrap="none" rtlCol="0">
+              <a:spAutoFit/>
+            </a:bodyPr>
+            <a:lstStyle/>
+            <a:p>
+              <a:r>
+                <a:rPr lang="en-US" altLang="ko-KR" sz="2400" dirty="0">
+                  <a:solidFill>
+                    <a:schemeClr val="tx1">
+                      <a:lumMod val="65000"/>
+                      <a:lumOff val="35000"/>
+                    </a:schemeClr>
+                  </a:solidFill>
+                  <a:latin typeface="Noto Sans CJK SC Bold" pitchFamily="34" charset="-127"/>
+                  <a:ea typeface="Noto Sans CJK SC Bold" pitchFamily="34" charset="-127"/>
+                </a:rPr>
+                <a:t>#04</a:t>
+              </a:r>
+              <a:endParaRPr lang="ko-KR" altLang="en-US" sz="2400" dirty="0">
+                <a:solidFill>
+                  <a:schemeClr val="tx1">
+                    <a:lumMod val="65000"/>
+                    <a:lumOff val="35000"/>
+                  </a:schemeClr>
+                </a:solidFill>
+                <a:latin typeface="Noto Sans CJK SC Bold" pitchFamily="34" charset="-127"/>
+                <a:ea typeface="Noto Sans CJK SC Bold" pitchFamily="34" charset="-127"/>
+              </a:endParaRPr>
+            </a:p>
+          </p:txBody>
+        </p:sp>
+        <p:sp>
+          <p:nvSpPr>
+            <p:cNvPr id="22" name="TextBox 21"/>
+            <p:cNvSpPr txBox="1"/>
+            <p:nvPr/>
+          </p:nvSpPr>
+          <p:spPr>
+            <a:xfrm>
+              <a:off x="1069046" y="377189"/>
+              <a:ext cx="1368190" cy="523220"/>
+            </a:xfrm>
+            <a:prstGeom prst="rect">
+              <a:avLst/>
+            </a:prstGeom>
+            <a:noFill/>
+          </p:spPr>
+          <p:txBody>
+            <a:bodyPr wrap="square" rtlCol="0">
+              <a:spAutoFit/>
+            </a:bodyPr>
+            <a:lstStyle/>
+            <a:p>
+              <a:r>
+                <a:rPr lang="en-US" altLang="ko-KR" sz="2800" dirty="0">
+                  <a:solidFill>
+                    <a:schemeClr val="tx1">
+                      <a:lumMod val="65000"/>
+                      <a:lumOff val="35000"/>
+                    </a:schemeClr>
+                  </a:solidFill>
+                  <a:latin typeface="다음_Regular" panose="02000603060000000000" pitchFamily="2" charset="-127"/>
+                  <a:ea typeface="다음_Regular" panose="02000603060000000000" pitchFamily="2" charset="-127"/>
+                </a:rPr>
+                <a:t>Insight</a:t>
+              </a:r>
+            </a:p>
+          </p:txBody>
+        </p:sp>
+      </p:grpSp>
+      <p:grpSp>
+        <p:nvGrpSpPr>
+          <p:cNvPr id="7" name="그룹 6">
+            <a:extLst>
+              <a:ext uri="{FF2B5EF4-FFF2-40B4-BE49-F238E27FC236}">
+                <a16:creationId xmlns:a16="http://schemas.microsoft.com/office/drawing/2014/main" id="{FCD49814-2851-49D0-B8C5-8BC3B5399C52}"/>
+              </a:ext>
+            </a:extLst>
+          </p:cNvPr>
+          <p:cNvGrpSpPr/>
+          <p:nvPr/>
+        </p:nvGrpSpPr>
+        <p:grpSpPr>
+          <a:xfrm>
+            <a:off x="330632" y="1131919"/>
+            <a:ext cx="5258233" cy="853494"/>
+            <a:chOff x="760872" y="1093675"/>
+            <a:chExt cx="5258233" cy="853494"/>
+          </a:xfrm>
+        </p:grpSpPr>
+        <p:sp>
+          <p:nvSpPr>
+            <p:cNvPr id="8" name="타원 7">
+              <a:extLst>
+                <a:ext uri="{FF2B5EF4-FFF2-40B4-BE49-F238E27FC236}">
+                  <a16:creationId xmlns:a16="http://schemas.microsoft.com/office/drawing/2014/main" id="{E6038F3A-4486-448A-A16F-275103148122}"/>
+                </a:ext>
+              </a:extLst>
+            </p:cNvPr>
+            <p:cNvSpPr/>
+            <p:nvPr/>
+          </p:nvSpPr>
+          <p:spPr>
+            <a:xfrm>
+              <a:off x="760872" y="1093675"/>
+              <a:ext cx="808784" cy="798465"/>
+            </a:xfrm>
+            <a:prstGeom prst="ellipse">
+              <a:avLst/>
+            </a:prstGeom>
+            <a:solidFill>
+              <a:schemeClr val="tx2">
+                <a:lumMod val="60000"/>
+                <a:lumOff val="40000"/>
+                <a:alpha val="23000"/>
+              </a:schemeClr>
+            </a:solidFill>
+            <a:ln>
+              <a:noFill/>
+            </a:ln>
+          </p:spPr>
+          <p:style>
+            <a:lnRef idx="2">
+              <a:schemeClr val="accent1">
+                <a:shade val="50000"/>
+              </a:schemeClr>
+            </a:lnRef>
+            <a:fillRef idx="1">
+              <a:schemeClr val="accent1"/>
+            </a:fillRef>
+            <a:effectRef idx="0">
+              <a:schemeClr val="accent1"/>
+            </a:effectRef>
+            <a:fontRef idx="minor">
+              <a:schemeClr val="lt1"/>
+            </a:fontRef>
+          </p:style>
+          <p:txBody>
+            <a:bodyPr rtlCol="0" anchor="ctr"/>
+            <a:lstStyle>
+              <a:defPPr>
+                <a:defRPr lang="ko-KR"/>
+              </a:defPPr>
+              <a:lvl1pPr marL="0" algn="l" defTabSz="914400" rtl="0" eaLnBrk="1" latinLnBrk="1" hangingPunct="1">
+                <a:defRPr sz="1800" kern="1200">
+                  <a:solidFill>
+                    <a:schemeClr val="lt1"/>
+                  </a:solidFill>
+                  <a:latin typeface="+mn-lt"/>
+                  <a:ea typeface="+mn-ea"/>
+                  <a:cs typeface="+mn-cs"/>
+                </a:defRPr>
+              </a:lvl1pPr>
+              <a:lvl2pPr marL="457200" algn="l" defTabSz="914400" rtl="0" eaLnBrk="1" latinLnBrk="1" hangingPunct="1">
+                <a:defRPr sz="1800" kern="1200">
+                  <a:solidFill>
+                    <a:schemeClr val="lt1"/>
+                  </a:solidFill>
+                  <a:latin typeface="+mn-lt"/>
+                  <a:ea typeface="+mn-ea"/>
+                  <a:cs typeface="+mn-cs"/>
+                </a:defRPr>
+              </a:lvl2pPr>
+              <a:lvl3pPr marL="914400" algn="l" defTabSz="914400" rtl="0" eaLnBrk="1" latinLnBrk="1" hangingPunct="1">
+                <a:defRPr sz="1800" kern="1200">
+                  <a:solidFill>
+                    <a:schemeClr val="lt1"/>
+                  </a:solidFill>
+                  <a:latin typeface="+mn-lt"/>
+                  <a:ea typeface="+mn-ea"/>
+                  <a:cs typeface="+mn-cs"/>
+                </a:defRPr>
+              </a:lvl3pPr>
+              <a:lvl4pPr marL="1371600" algn="l" defTabSz="914400" rtl="0" eaLnBrk="1" latinLnBrk="1" hangingPunct="1">
+                <a:defRPr sz="1800" kern="1200">
+                  <a:solidFill>
+                    <a:schemeClr val="lt1"/>
+                  </a:solidFill>
+                  <a:latin typeface="+mn-lt"/>
+                  <a:ea typeface="+mn-ea"/>
+                  <a:cs typeface="+mn-cs"/>
+                </a:defRPr>
+              </a:lvl4pPr>
+              <a:lvl5pPr marL="1828800" algn="l" defTabSz="914400" rtl="0" eaLnBrk="1" latinLnBrk="1" hangingPunct="1">
+                <a:defRPr sz="1800" kern="1200">
+                  <a:solidFill>
+                    <a:schemeClr val="lt1"/>
+                  </a:solidFill>
+                  <a:latin typeface="+mn-lt"/>
+                  <a:ea typeface="+mn-ea"/>
+                  <a:cs typeface="+mn-cs"/>
+                </a:defRPr>
+              </a:lvl5pPr>
+              <a:lvl6pPr marL="2286000" algn="l" defTabSz="914400" rtl="0" eaLnBrk="1" latinLnBrk="1" hangingPunct="1">
+                <a:defRPr sz="1800" kern="1200">
+                  <a:solidFill>
+                    <a:schemeClr val="lt1"/>
+                  </a:solidFill>
+                  <a:latin typeface="+mn-lt"/>
+                  <a:ea typeface="+mn-ea"/>
+                  <a:cs typeface="+mn-cs"/>
+                </a:defRPr>
+              </a:lvl6pPr>
+              <a:lvl7pPr marL="2743200" algn="l" defTabSz="914400" rtl="0" eaLnBrk="1" latinLnBrk="1" hangingPunct="1">
+                <a:defRPr sz="1800" kern="1200">
+                  <a:solidFill>
+                    <a:schemeClr val="lt1"/>
+                  </a:solidFill>
+                  <a:latin typeface="+mn-lt"/>
+                  <a:ea typeface="+mn-ea"/>
+                  <a:cs typeface="+mn-cs"/>
+                </a:defRPr>
+              </a:lvl7pPr>
+              <a:lvl8pPr marL="3200400" algn="l" defTabSz="914400" rtl="0" eaLnBrk="1" latinLnBrk="1" hangingPunct="1">
+                <a:defRPr sz="1800" kern="1200">
+                  <a:solidFill>
+                    <a:schemeClr val="lt1"/>
+                  </a:solidFill>
+                  <a:latin typeface="+mn-lt"/>
+                  <a:ea typeface="+mn-ea"/>
+                  <a:cs typeface="+mn-cs"/>
+                </a:defRPr>
+              </a:lvl8pPr>
+              <a:lvl9pPr marL="3657600" algn="l" defTabSz="914400" rtl="0" eaLnBrk="1" latinLnBrk="1" hangingPunct="1">
+                <a:defRPr sz="1800" kern="1200">
+                  <a:solidFill>
+                    <a:schemeClr val="lt1"/>
+                  </a:solidFill>
+                  <a:latin typeface="+mn-lt"/>
+                  <a:ea typeface="+mn-ea"/>
+                  <a:cs typeface="+mn-cs"/>
+                </a:defRPr>
+              </a:lvl9pPr>
+            </a:lstStyle>
+            <a:p>
+              <a:pPr algn="ctr"/>
+              <a:endParaRPr lang="ko-KR" altLang="en-US" dirty="0"/>
+            </a:p>
+          </p:txBody>
+        </p:sp>
+        <p:sp>
+          <p:nvSpPr>
+            <p:cNvPr id="9" name="TextBox 25">
+              <a:extLst>
+                <a:ext uri="{FF2B5EF4-FFF2-40B4-BE49-F238E27FC236}">
+                  <a16:creationId xmlns:a16="http://schemas.microsoft.com/office/drawing/2014/main" id="{41D01FE3-B55B-4023-BCD5-9F3A072845E2}"/>
+                </a:ext>
+              </a:extLst>
+            </p:cNvPr>
+            <p:cNvSpPr txBox="1">
+              <a:spLocks noChangeArrowheads="1"/>
+            </p:cNvSpPr>
+            <p:nvPr/>
+          </p:nvSpPr>
+          <p:spPr bwMode="auto">
+            <a:xfrm>
+              <a:off x="1259540" y="1362394"/>
+              <a:ext cx="4759565" cy="584775"/>
+            </a:xfrm>
+            <a:prstGeom prst="rect">
+              <a:avLst/>
+            </a:prstGeom>
+            <a:noFill/>
+            <a:ln w="9525">
+              <a:noFill/>
+              <a:miter lim="800000"/>
+              <a:headEnd/>
+              <a:tailEnd/>
+            </a:ln>
+          </p:spPr>
+          <p:txBody>
+            <a:bodyPr wrap="square">
+              <a:spAutoFit/>
+            </a:bodyPr>
+            <a:lstStyle>
+              <a:defPPr>
+                <a:defRPr lang="ko-KR"/>
+              </a:defPPr>
+              <a:lvl1pPr marL="0" algn="l" defTabSz="914400" rtl="0" eaLnBrk="1" latinLnBrk="1" hangingPunct="1">
+                <a:defRPr sz="1800" kern="1200">
+                  <a:solidFill>
+                    <a:schemeClr val="tx1"/>
+                  </a:solidFill>
+                  <a:latin typeface="+mn-lt"/>
+                  <a:ea typeface="+mn-ea"/>
+                  <a:cs typeface="+mn-cs"/>
+                </a:defRPr>
+              </a:lvl1pPr>
+              <a:lvl2pPr marL="457200" algn="l" defTabSz="914400" rtl="0" eaLnBrk="1" latinLnBrk="1" hangingPunct="1">
+                <a:defRPr sz="1800" kern="1200">
+                  <a:solidFill>
+                    <a:schemeClr val="tx1"/>
+                  </a:solidFill>
+                  <a:latin typeface="+mn-lt"/>
+                  <a:ea typeface="+mn-ea"/>
+                  <a:cs typeface="+mn-cs"/>
+                </a:defRPr>
+              </a:lvl2pPr>
+              <a:lvl3pPr marL="914400" algn="l" defTabSz="914400" rtl="0" eaLnBrk="1" latinLnBrk="1" hangingPunct="1">
+                <a:defRPr sz="1800" kern="1200">
+                  <a:solidFill>
+                    <a:schemeClr val="tx1"/>
+                  </a:solidFill>
+                  <a:latin typeface="+mn-lt"/>
+                  <a:ea typeface="+mn-ea"/>
+                  <a:cs typeface="+mn-cs"/>
+                </a:defRPr>
+              </a:lvl3pPr>
+              <a:lvl4pPr marL="1371600" algn="l" defTabSz="914400" rtl="0" eaLnBrk="1" latinLnBrk="1" hangingPunct="1">
+                <a:defRPr sz="1800" kern="1200">
+                  <a:solidFill>
+                    <a:schemeClr val="tx1"/>
+                  </a:solidFill>
+                  <a:latin typeface="+mn-lt"/>
+                  <a:ea typeface="+mn-ea"/>
+                  <a:cs typeface="+mn-cs"/>
+                </a:defRPr>
+              </a:lvl4pPr>
+              <a:lvl5pPr marL="1828800" algn="l" defTabSz="914400" rtl="0" eaLnBrk="1" latinLnBrk="1" hangingPunct="1">
+                <a:defRPr sz="1800" kern="1200">
+                  <a:solidFill>
+                    <a:schemeClr val="tx1"/>
+                  </a:solidFill>
+                  <a:latin typeface="+mn-lt"/>
+                  <a:ea typeface="+mn-ea"/>
+                  <a:cs typeface="+mn-cs"/>
+                </a:defRPr>
+              </a:lvl5pPr>
+              <a:lvl6pPr marL="2286000" algn="l" defTabSz="914400" rtl="0" eaLnBrk="1" latinLnBrk="1" hangingPunct="1">
+                <a:defRPr sz="1800" kern="1200">
+                  <a:solidFill>
+                    <a:schemeClr val="tx1"/>
+                  </a:solidFill>
+                  <a:latin typeface="+mn-lt"/>
+                  <a:ea typeface="+mn-ea"/>
+                  <a:cs typeface="+mn-cs"/>
+                </a:defRPr>
+              </a:lvl6pPr>
+              <a:lvl7pPr marL="2743200" algn="l" defTabSz="914400" rtl="0" eaLnBrk="1" latinLnBrk="1" hangingPunct="1">
+                <a:defRPr sz="1800" kern="1200">
+                  <a:solidFill>
+                    <a:schemeClr val="tx1"/>
+                  </a:solidFill>
+                  <a:latin typeface="+mn-lt"/>
+                  <a:ea typeface="+mn-ea"/>
+                  <a:cs typeface="+mn-cs"/>
+                </a:defRPr>
+              </a:lvl7pPr>
+              <a:lvl8pPr marL="3200400" algn="l" defTabSz="914400" rtl="0" eaLnBrk="1" latinLnBrk="1" hangingPunct="1">
+                <a:defRPr sz="1800" kern="1200">
+                  <a:solidFill>
+                    <a:schemeClr val="tx1"/>
+                  </a:solidFill>
+                  <a:latin typeface="+mn-lt"/>
+                  <a:ea typeface="+mn-ea"/>
+                  <a:cs typeface="+mn-cs"/>
+                </a:defRPr>
+              </a:lvl8pPr>
+              <a:lvl9pPr marL="3657600" algn="l" defTabSz="914400" rtl="0" eaLnBrk="1" latinLnBrk="1" hangingPunct="1">
+                <a:defRPr sz="1800" kern="1200">
+                  <a:solidFill>
+                    <a:schemeClr val="tx1"/>
+                  </a:solidFill>
+                  <a:latin typeface="+mn-lt"/>
+                  <a:ea typeface="+mn-ea"/>
+                  <a:cs typeface="+mn-cs"/>
+                </a:defRPr>
+              </a:lvl9pPr>
+            </a:lstStyle>
+            <a:p>
+              <a:pPr lvl="0"/>
+              <a:r>
+                <a:rPr lang="en-US" altLang="ko-KR" sz="3200" b="1" dirty="0">
+                  <a:solidFill>
+                    <a:srgbClr val="4C93C7"/>
+                  </a:solidFill>
+                  <a:latin typeface="다음_Regular" panose="02000603060000000000" pitchFamily="2" charset="-127"/>
+                  <a:ea typeface="다음_Regular" panose="02000603060000000000" pitchFamily="2" charset="-127"/>
+                </a:rPr>
+                <a:t>Insight</a:t>
+              </a:r>
+            </a:p>
+          </p:txBody>
+        </p:sp>
+      </p:grpSp>
+      <p:sp>
+        <p:nvSpPr>
+          <p:cNvPr id="10" name="TextBox 9">
+            <a:extLst>
+              <a:ext uri="{FF2B5EF4-FFF2-40B4-BE49-F238E27FC236}">
+                <a16:creationId xmlns:a16="http://schemas.microsoft.com/office/drawing/2014/main" id="{A670B2F7-EABB-43A7-914D-B8CC1B4FCD2C}"/>
+              </a:ext>
+            </a:extLst>
+          </p:cNvPr>
+          <p:cNvSpPr txBox="1"/>
+          <p:nvPr/>
+        </p:nvSpPr>
+        <p:spPr>
+          <a:xfrm>
+            <a:off x="720252" y="2306322"/>
+            <a:ext cx="7236218" cy="461665"/>
+          </a:xfrm>
+          <a:prstGeom prst="rect">
+            <a:avLst/>
+          </a:prstGeom>
+          <a:noFill/>
+        </p:spPr>
+        <p:txBody>
+          <a:bodyPr wrap="square" rtlCol="0">
+            <a:spAutoFit/>
+          </a:bodyPr>
+          <a:lstStyle/>
+          <a:p>
+            <a:r>
+              <a:rPr lang="en-US" altLang="ko-KR" sz="2400" dirty="0">
+                <a:latin typeface="서울남산체 M" panose="02020503020101020101" pitchFamily="18" charset="-127"/>
+                <a:ea typeface="서울남산체 M" panose="02020503020101020101" pitchFamily="18" charset="-127"/>
+              </a:rPr>
+              <a:t>-</a:t>
+            </a:r>
+            <a:r>
+              <a:rPr lang="ko-KR" altLang="en-US" sz="2400" dirty="0">
+                <a:latin typeface="서울남산체 M" panose="02020503020101020101" pitchFamily="18" charset="-127"/>
+                <a:ea typeface="서울남산체 M" panose="02020503020101020101" pitchFamily="18" charset="-127"/>
+              </a:rPr>
+              <a:t>두 지역 간의 거리</a:t>
+            </a:r>
+            <a:endParaRPr lang="en-US" altLang="ko-KR" sz="2400" dirty="0">
+              <a:latin typeface="서울남산체 M" panose="02020503020101020101" pitchFamily="18" charset="-127"/>
+              <a:ea typeface="서울남산체 M" panose="02020503020101020101" pitchFamily="18" charset="-127"/>
+            </a:endParaRPr>
+          </a:p>
+        </p:txBody>
+      </p:sp>
+      <p:sp>
+        <p:nvSpPr>
+          <p:cNvPr id="11" name="TextBox 10">
+            <a:extLst>
+              <a:ext uri="{FF2B5EF4-FFF2-40B4-BE49-F238E27FC236}">
+                <a16:creationId xmlns:a16="http://schemas.microsoft.com/office/drawing/2014/main" id="{07A76BAB-CA73-43FB-94DC-E95A560627DF}"/>
+              </a:ext>
+            </a:extLst>
+          </p:cNvPr>
+          <p:cNvSpPr txBox="1"/>
+          <p:nvPr/>
+        </p:nvSpPr>
+        <p:spPr>
+          <a:xfrm>
+            <a:off x="686244" y="3263176"/>
+            <a:ext cx="7236218" cy="461665"/>
+          </a:xfrm>
+          <a:prstGeom prst="rect">
+            <a:avLst/>
+          </a:prstGeom>
+          <a:noFill/>
+        </p:spPr>
+        <p:txBody>
+          <a:bodyPr wrap="square" rtlCol="0">
+            <a:spAutoFit/>
+          </a:bodyPr>
+          <a:lstStyle/>
+          <a:p>
+            <a:r>
+              <a:rPr lang="en-US" altLang="ko-KR" sz="2400" dirty="0">
+                <a:latin typeface="서울남산체 M" panose="02020503020101020101" pitchFamily="18" charset="-127"/>
+                <a:ea typeface="서울남산체 M" panose="02020503020101020101" pitchFamily="18" charset="-127"/>
+              </a:rPr>
+              <a:t>-</a:t>
+            </a:r>
+            <a:r>
+              <a:rPr lang="ko-KR" altLang="en-US" sz="2400" dirty="0">
+                <a:latin typeface="서울남산체 M" panose="02020503020101020101" pitchFamily="18" charset="-127"/>
+                <a:ea typeface="서울남산체 M" panose="02020503020101020101" pitchFamily="18" charset="-127"/>
+              </a:rPr>
+              <a:t>최적의 코스를 직관적으로 볼 수 있다</a:t>
+            </a:r>
+            <a:endParaRPr lang="en-US" altLang="ko-KR" sz="2400" dirty="0">
+              <a:latin typeface="서울남산체 M" panose="02020503020101020101" pitchFamily="18" charset="-127"/>
+              <a:ea typeface="서울남산체 M" panose="02020503020101020101" pitchFamily="18" charset="-127"/>
+            </a:endParaRPr>
+          </a:p>
+        </p:txBody>
+      </p:sp>
+      <p:sp>
+        <p:nvSpPr>
+          <p:cNvPr id="14" name="TextBox 13">
+            <a:extLst>
+              <a:ext uri="{FF2B5EF4-FFF2-40B4-BE49-F238E27FC236}">
+                <a16:creationId xmlns:a16="http://schemas.microsoft.com/office/drawing/2014/main" id="{E75EB6C1-CBA3-4B50-9781-59B034C065A7}"/>
+              </a:ext>
+            </a:extLst>
+          </p:cNvPr>
+          <p:cNvSpPr txBox="1"/>
+          <p:nvPr/>
+        </p:nvSpPr>
+        <p:spPr>
+          <a:xfrm>
+            <a:off x="720252" y="4365130"/>
+            <a:ext cx="7236218" cy="830997"/>
+          </a:xfrm>
+          <a:prstGeom prst="rect">
+            <a:avLst/>
+          </a:prstGeom>
+          <a:noFill/>
+        </p:spPr>
+        <p:txBody>
+          <a:bodyPr wrap="square" rtlCol="0">
+            <a:spAutoFit/>
+          </a:bodyPr>
+          <a:lstStyle/>
+          <a:p>
+            <a:r>
+              <a:rPr lang="en-US" altLang="ko-KR" sz="2400" dirty="0">
+                <a:latin typeface="서울남산체 M" panose="02020503020101020101" pitchFamily="18" charset="-127"/>
+                <a:ea typeface="서울남산체 M" panose="02020503020101020101" pitchFamily="18" charset="-127"/>
+              </a:rPr>
+              <a:t>-</a:t>
+            </a:r>
+            <a:r>
+              <a:rPr lang="ko-KR" altLang="en-US" sz="2400" dirty="0">
+                <a:latin typeface="서울남산체 M" panose="02020503020101020101" pitchFamily="18" charset="-127"/>
+                <a:ea typeface="서울남산체 M" panose="02020503020101020101" pitchFamily="18" charset="-127"/>
+              </a:rPr>
+              <a:t>여행지</a:t>
+            </a:r>
+            <a:r>
+              <a:rPr lang="en-US" altLang="ko-KR" sz="2400" dirty="0">
+                <a:latin typeface="서울남산체 M" panose="02020503020101020101" pitchFamily="18" charset="-127"/>
+                <a:ea typeface="서울남산체 M" panose="02020503020101020101" pitchFamily="18" charset="-127"/>
+              </a:rPr>
+              <a:t>(</a:t>
+            </a:r>
+            <a:r>
+              <a:rPr lang="ko-KR" altLang="en-US" sz="2400" dirty="0">
+                <a:latin typeface="서울남산체 M" panose="02020503020101020101" pitchFamily="18" charset="-127"/>
+                <a:ea typeface="서울남산체 M" panose="02020503020101020101" pitchFamily="18" charset="-127"/>
+              </a:rPr>
+              <a:t>노드</a:t>
+            </a:r>
+            <a:r>
+              <a:rPr lang="en-US" altLang="ko-KR" sz="2400" dirty="0">
+                <a:latin typeface="서울남산체 M" panose="02020503020101020101" pitchFamily="18" charset="-127"/>
+                <a:ea typeface="서울남산체 M" panose="02020503020101020101" pitchFamily="18" charset="-127"/>
+              </a:rPr>
+              <a:t>)</a:t>
+            </a:r>
+            <a:r>
+              <a:rPr lang="ko-KR" altLang="en-US" sz="2400" dirty="0">
+                <a:latin typeface="서울남산체 M" panose="02020503020101020101" pitchFamily="18" charset="-127"/>
+                <a:ea typeface="서울남산체 M" panose="02020503020101020101" pitchFamily="18" charset="-127"/>
+              </a:rPr>
+              <a:t>가 달라지면 그때 마다 바로</a:t>
+            </a:r>
+            <a:endParaRPr lang="en-US" altLang="ko-KR" sz="2400" dirty="0">
+              <a:latin typeface="서울남산체 M" panose="02020503020101020101" pitchFamily="18" charset="-127"/>
+              <a:ea typeface="서울남산체 M" panose="02020503020101020101" pitchFamily="18" charset="-127"/>
+            </a:endParaRPr>
+          </a:p>
+          <a:p>
+            <a:r>
+              <a:rPr lang="ko-KR" altLang="en-US" sz="2400" dirty="0">
+                <a:latin typeface="서울남산체 M" panose="02020503020101020101" pitchFamily="18" charset="-127"/>
+                <a:ea typeface="서울남산체 M" panose="02020503020101020101" pitchFamily="18" charset="-127"/>
+              </a:rPr>
+              <a:t>새로운 그래프로 업데이트 된다</a:t>
+            </a:r>
+            <a:endParaRPr lang="en-US" altLang="ko-KR" sz="2400" dirty="0">
+              <a:latin typeface="서울남산체 M" panose="02020503020101020101" pitchFamily="18" charset="-127"/>
+              <a:ea typeface="서울남산체 M" panose="02020503020101020101" pitchFamily="18" charset="-127"/>
+            </a:endParaRPr>
+          </a:p>
+        </p:txBody>
+      </p:sp>
+    </p:spTree>
+    <p:extLst>
+      <p:ext uri="{BB962C8B-B14F-4D97-AF65-F5344CB8AC3E}">
+        <p14:creationId xmlns:p14="http://schemas.microsoft.com/office/powerpoint/2010/main" val="985488310"/>
+      </p:ext>
+    </p:extLst>
+  </p:cSld>
+  <p:clrMapOvr>
+    <a:masterClrMapping/>
+  </p:clrMapOvr>
+  <p:transition spd="slow">
+    <p:wipe/>
+  </p:transition>
+  <p:timing>
+    <p:tnLst>
+      <p:par>
+        <p:cTn id="1" dur="indefinite" restart="never" nodeType="tmRoot">
+          <p:childTnLst>
+            <p:seq concurrent="1" nextAc="seek">
+              <p:cTn id="2" dur="indefinite" nodeType="mainSeq">
+                <p:childTnLst>
+                  <p:par>
+                    <p:cTn id="3" fill="hold">
+                      <p:stCondLst>
+                        <p:cond delay="indefinite"/>
+                      </p:stCondLst>
+                      <p:childTnLst>
+                        <p:par>
+                          <p:cTn id="4" fill="hold">
+                            <p:stCondLst>
+                              <p:cond delay="0"/>
+                            </p:stCondLst>
+                            <p:childTnLst>
+                              <p:par>
+                                <p:cTn id="5" presetID="10" presetClass="entr" presetSubtype="0" fill="hold" grpId="0" nodeType="clickEffect">
+                                  <p:stCondLst>
+                                    <p:cond delay="0"/>
+                                  </p:stCondLst>
+                                  <p:childTnLst>
+                                    <p:set>
+                                      <p:cBhvr>
+                                        <p:cTn id="6" dur="1" fill="hold">
+                                          <p:stCondLst>
+                                            <p:cond delay="0"/>
+                                          </p:stCondLst>
+                                        </p:cTn>
+                                        <p:tgtEl>
+                                          <p:spTgt spid="10"/>
+                                        </p:tgtEl>
+                                        <p:attrNameLst>
+                                          <p:attrName>style.visibility</p:attrName>
+                                        </p:attrNameLst>
+                                      </p:cBhvr>
+                                      <p:to>
+                                        <p:strVal val="visible"/>
+                                      </p:to>
+                                    </p:set>
+                                    <p:animEffect transition="in" filter="fade">
+                                      <p:cBhvr>
+                                        <p:cTn id="7" dur="500"/>
+                                        <p:tgtEl>
+                                          <p:spTgt spid="10"/>
+                                        </p:tgtEl>
+                                      </p:cBhvr>
+                                    </p:animEffect>
+                                  </p:childTnLst>
+                                </p:cTn>
+                              </p:par>
+                            </p:childTnLst>
+                          </p:cTn>
+                        </p:par>
+                      </p:childTnLst>
+                    </p:cTn>
+                  </p:par>
+                  <p:par>
+                    <p:cTn id="8" fill="hold">
+                      <p:stCondLst>
+                        <p:cond delay="indefinite"/>
+                      </p:stCondLst>
+                      <p:childTnLst>
+                        <p:par>
+                          <p:cTn id="9" fill="hold">
+                            <p:stCondLst>
+                              <p:cond delay="0"/>
+                            </p:stCondLst>
+                            <p:childTnLst>
+                              <p:par>
+                                <p:cTn id="10" presetID="10" presetClass="entr" presetSubtype="0" fill="hold" grpId="0" nodeType="clickEffect">
+                                  <p:stCondLst>
+                                    <p:cond delay="0"/>
+                                  </p:stCondLst>
+                                  <p:childTnLst>
+                                    <p:set>
+                                      <p:cBhvr>
+                                        <p:cTn id="11" dur="1" fill="hold">
+                                          <p:stCondLst>
+                                            <p:cond delay="0"/>
+                                          </p:stCondLst>
+                                        </p:cTn>
+                                        <p:tgtEl>
+                                          <p:spTgt spid="11"/>
+                                        </p:tgtEl>
+                                        <p:attrNameLst>
+                                          <p:attrName>style.visibility</p:attrName>
+                                        </p:attrNameLst>
+                                      </p:cBhvr>
+                                      <p:to>
+                                        <p:strVal val="visible"/>
+                                      </p:to>
+                                    </p:set>
+                                    <p:animEffect transition="in" filter="fade">
+                                      <p:cBhvr>
+                                        <p:cTn id="12" dur="500"/>
+                                        <p:tgtEl>
+                                          <p:spTgt spid="11"/>
+                                        </p:tgtEl>
+                                      </p:cBhvr>
+                                    </p:animEffect>
+                                  </p:childTnLst>
+                                </p:cTn>
+                              </p:par>
+                            </p:childTnLst>
+                          </p:cTn>
+                        </p:par>
+                      </p:childTnLst>
+                    </p:cTn>
+                  </p:par>
+                  <p:par>
+                    <p:cTn id="13" fill="hold">
+                      <p:stCondLst>
+                        <p:cond delay="indefinite"/>
+                      </p:stCondLst>
+                      <p:childTnLst>
+                        <p:par>
+                          <p:cTn id="14" fill="hold">
+                            <p:stCondLst>
+                              <p:cond delay="0"/>
+                            </p:stCondLst>
+                            <p:childTnLst>
+                              <p:par>
+                                <p:cTn id="15" presetID="10" presetClass="entr" presetSubtype="0" fill="hold" grpId="0" nodeType="clickEffect">
+                                  <p:stCondLst>
+                                    <p:cond delay="0"/>
+                                  </p:stCondLst>
+                                  <p:childTnLst>
+                                    <p:set>
+                                      <p:cBhvr>
+                                        <p:cTn id="16" dur="1" fill="hold">
+                                          <p:stCondLst>
+                                            <p:cond delay="0"/>
+                                          </p:stCondLst>
+                                        </p:cTn>
+                                        <p:tgtEl>
+                                          <p:spTgt spid="14"/>
+                                        </p:tgtEl>
+                                        <p:attrNameLst>
+                                          <p:attrName>style.visibility</p:attrName>
+                                        </p:attrNameLst>
+                                      </p:cBhvr>
+                                      <p:to>
+                                        <p:strVal val="visible"/>
+                                      </p:to>
+                                    </p:set>
+                                    <p:animEffect transition="in" filter="fade">
+                                      <p:cBhvr>
+                                        <p:cTn id="17" dur="500"/>
+                                        <p:tgtEl>
+                                          <p:spTgt spid="14"/>
+                                        </p:tgtEl>
+                                      </p:cBhvr>
+                                    </p:animEffect>
+                                  </p:childTnLst>
+                                </p:cTn>
+                              </p:par>
+                            </p:childTnLst>
+                          </p:cTn>
+                        </p:par>
+                      </p:childTnLst>
+                    </p:cTn>
+                  </p:par>
+                </p:childTnLst>
+              </p:cTn>
+              <p:prevCondLst>
+                <p:cond evt="onPrev" delay="0">
+                  <p:tgtEl>
+                    <p:sldTgt/>
+                  </p:tgtEl>
+                </p:cond>
+              </p:prevCondLst>
+              <p:nextCondLst>
+                <p:cond evt="onNext" delay="0">
+                  <p:tgtEl>
+                    <p:sldTgt/>
+                  </p:tgtEl>
+                </p:cond>
+              </p:nextCondLst>
+            </p:seq>
+          </p:childTnLst>
+        </p:cTn>
+      </p:par>
+    </p:tnLst>
+    <p:bldLst>
+      <p:bldP spid="10" grpId="0"/>
+      <p:bldP spid="11" grpId="0"/>
+      <p:bldP spid="14" grpId="0"/>
+    </p:bldLst>
+  </p:timing>
+</p:sld>
+</file>
+
+<file path=ppt/slides/slide24.xml><?xml version="1.0" encoding="utf-8"?>
+<p:sld xmlns:a="http://schemas.openxmlformats.org/drawingml/2006/main" xmlns:r="http://schemas.openxmlformats.org/officeDocument/2006/relationships" xmlns:p="http://schemas.openxmlformats.org/presentationml/2006/main">
+  <p:cSld>
+    <p:spTree>
+      <p:nvGrpSpPr>
+        <p:cNvPr id="1" name=""/>
+        <p:cNvGrpSpPr/>
+        <p:nvPr/>
+      </p:nvGrpSpPr>
+      <p:grpSpPr>
+        <a:xfrm>
+          <a:off x="0" y="0"/>
+          <a:ext cx="0" cy="0"/>
+          <a:chOff x="0" y="0"/>
+          <a:chExt cx="0" cy="0"/>
+        </a:xfrm>
+      </p:grpSpPr>
+      <p:grpSp>
+        <p:nvGrpSpPr>
+          <p:cNvPr id="2" name="그룹 1"/>
+          <p:cNvGrpSpPr/>
+          <p:nvPr/>
+        </p:nvGrpSpPr>
+        <p:grpSpPr>
+          <a:xfrm>
+            <a:off x="3185567" y="2057229"/>
+            <a:ext cx="2610603" cy="2454051"/>
+            <a:chOff x="1259670" y="1772770"/>
+            <a:chExt cx="1728192" cy="1728000"/>
+          </a:xfrm>
+        </p:grpSpPr>
+        <p:sp>
+          <p:nvSpPr>
+            <p:cNvPr id="5" name="타원 4"/>
+            <p:cNvSpPr/>
+            <p:nvPr/>
+          </p:nvSpPr>
+          <p:spPr>
+            <a:xfrm>
+              <a:off x="1259670" y="1772770"/>
+              <a:ext cx="1728192" cy="1728000"/>
+            </a:xfrm>
+            <a:prstGeom prst="ellipse">
+              <a:avLst/>
+            </a:prstGeom>
+            <a:solidFill>
+              <a:schemeClr val="bg1">
+                <a:lumMod val="85000"/>
+                <a:alpha val="37000"/>
+              </a:schemeClr>
+            </a:solidFill>
+            <a:ln>
+              <a:noFill/>
+            </a:ln>
+          </p:spPr>
+          <p:style>
+            <a:lnRef idx="2">
+              <a:schemeClr val="accent1">
+                <a:shade val="50000"/>
+              </a:schemeClr>
+            </a:lnRef>
+            <a:fillRef idx="1">
+              <a:schemeClr val="accent1"/>
+            </a:fillRef>
+            <a:effectRef idx="0">
+              <a:schemeClr val="accent1"/>
+            </a:effectRef>
+            <a:fontRef idx="minor">
+              <a:schemeClr val="lt1"/>
+            </a:fontRef>
+          </p:style>
+          <p:txBody>
+            <a:bodyPr rtlCol="0" anchor="ctr"/>
+            <a:lstStyle/>
+            <a:p>
+              <a:pPr algn="ctr"/>
+              <a:endParaRPr lang="ko-KR" altLang="en-US"/>
+            </a:p>
+          </p:txBody>
+        </p:sp>
+        <p:sp>
+          <p:nvSpPr>
+            <p:cNvPr id="10" name="TextBox 25"/>
+            <p:cNvSpPr txBox="1">
+              <a:spLocks noChangeArrowheads="1"/>
+            </p:cNvSpPr>
+            <p:nvPr/>
+          </p:nvSpPr>
+          <p:spPr bwMode="auto">
+            <a:xfrm>
+              <a:off x="1439690" y="2204818"/>
+              <a:ext cx="1260140" cy="325078"/>
+            </a:xfrm>
+            <a:prstGeom prst="rect">
+              <a:avLst/>
+            </a:prstGeom>
+            <a:noFill/>
+            <a:ln w="9525">
+              <a:noFill/>
+              <a:miter lim="800000"/>
+              <a:headEnd/>
+              <a:tailEnd/>
+            </a:ln>
+          </p:spPr>
+          <p:txBody>
+            <a:bodyPr wrap="square">
+              <a:spAutoFit/>
+            </a:bodyPr>
+            <a:lstStyle/>
+            <a:p>
+              <a:pPr lvl="0"/>
+              <a:r>
+                <a:rPr lang="en-US" altLang="ko-KR" sz="2400" dirty="0">
+                  <a:solidFill>
+                    <a:schemeClr val="tx1">
+                      <a:lumMod val="75000"/>
+                      <a:lumOff val="25000"/>
+                    </a:schemeClr>
+                  </a:solidFill>
+                  <a:latin typeface="다음_Regular" panose="02000603060000000000" pitchFamily="2" charset="-127"/>
+                  <a:ea typeface="다음_Regular" panose="02000603060000000000" pitchFamily="2" charset="-127"/>
+                </a:rPr>
+                <a:t>#04,</a:t>
+              </a:r>
+            </a:p>
+          </p:txBody>
+        </p:sp>
+        <p:sp>
+          <p:nvSpPr>
+            <p:cNvPr id="11" name="TextBox 25"/>
+            <p:cNvSpPr txBox="1">
+              <a:spLocks noChangeArrowheads="1"/>
+            </p:cNvSpPr>
+            <p:nvPr/>
+          </p:nvSpPr>
+          <p:spPr bwMode="auto">
+            <a:xfrm>
+              <a:off x="1376386" y="2485165"/>
+              <a:ext cx="1494759" cy="455109"/>
+            </a:xfrm>
+            <a:prstGeom prst="rect">
+              <a:avLst/>
+            </a:prstGeom>
+            <a:noFill/>
+            <a:ln w="9525">
+              <a:noFill/>
+              <a:miter lim="800000"/>
+              <a:headEnd/>
+              <a:tailEnd/>
+            </a:ln>
+          </p:spPr>
+          <p:txBody>
+            <a:bodyPr wrap="square">
+              <a:spAutoFit/>
+            </a:bodyPr>
+            <a:lstStyle/>
+            <a:p>
+              <a:pPr lvl="0" algn="ctr"/>
+              <a:r>
                 <a:rPr lang="en-US" altLang="ko-KR" sz="3600" b="1" dirty="0">
                   <a:solidFill>
                     <a:prstClr val="black">
@@ -17145,7 +19721,7 @@
 </p:sld>
 </file>
 
-<file path=ppt/slides/slide22.xml><?xml version="1.0" encoding="utf-8"?>
+<file path=ppt/slides/slide25.xml><?xml version="1.0" encoding="utf-8"?>
 <p:sld xmlns:a="http://schemas.openxmlformats.org/drawingml/2006/main" xmlns:r="http://schemas.openxmlformats.org/officeDocument/2006/relationships" xmlns:p="http://schemas.openxmlformats.org/presentationml/2006/main">
   <p:cSld>
     <p:spTree>
@@ -18076,17 +20652,7 @@
                 <a:latin typeface="KoPub돋움체 Bold" panose="02020603020101020101" pitchFamily="18" charset="-127"/>
                 <a:ea typeface="KoPub돋움체 Bold" panose="02020603020101020101" pitchFamily="18" charset="-127"/>
               </a:rPr>
-              <a:t>제주도 여행지들의 최적의 경로 </a:t>
-            </a:r>
-            <a:r>
-              <a:rPr lang="ko-KR" altLang="en-US" sz="2800" dirty="0" err="1">
-                <a:solidFill>
-                  <a:schemeClr val="bg1"/>
-                </a:solidFill>
-                <a:latin typeface="KoPub돋움체 Bold" panose="02020603020101020101" pitchFamily="18" charset="-127"/>
-                <a:ea typeface="KoPub돋움체 Bold" panose="02020603020101020101" pitchFamily="18" charset="-127"/>
-              </a:rPr>
-              <a:t>찾아주기</a:t>
+              <a:t>여행지들의 최적의 경로 찾아 주기</a:t>
             </a:r>
             <a:endParaRPr lang="en-US" altLang="ko-KR" sz="2800" dirty="0">
               <a:solidFill>
